--- a/presentation.pptx
+++ b/presentation.pptx
@@ -9,17 +9,22 @@
     <p:sldId id="257" r:id="rId3"/>
     <p:sldId id="262" r:id="rId4"/>
     <p:sldId id="261" r:id="rId5"/>
-    <p:sldId id="260" r:id="rId6"/>
+    <p:sldId id="259" r:id="rId6"/>
     <p:sldId id="258" r:id="rId7"/>
-    <p:sldId id="259" r:id="rId8"/>
+    <p:sldId id="260" r:id="rId8"/>
     <p:sldId id="263" r:id="rId9"/>
-    <p:sldId id="264" r:id="rId10"/>
-    <p:sldId id="265" r:id="rId11"/>
-    <p:sldId id="266" r:id="rId12"/>
-    <p:sldId id="267" r:id="rId13"/>
-    <p:sldId id="268" r:id="rId14"/>
-    <p:sldId id="269" r:id="rId15"/>
-    <p:sldId id="270" r:id="rId16"/>
+    <p:sldId id="271" r:id="rId10"/>
+    <p:sldId id="264" r:id="rId11"/>
+    <p:sldId id="273" r:id="rId12"/>
+    <p:sldId id="265" r:id="rId13"/>
+    <p:sldId id="266" r:id="rId14"/>
+    <p:sldId id="267" r:id="rId15"/>
+    <p:sldId id="268" r:id="rId16"/>
+    <p:sldId id="269" r:id="rId17"/>
+    <p:sldId id="270" r:id="rId18"/>
+    <p:sldId id="274" r:id="rId19"/>
+    <p:sldId id="275" r:id="rId20"/>
+    <p:sldId id="272" r:id="rId21"/>
   </p:sldIdLst>
   <p:sldSz cx="9144000" cy="6858000" type="screen4x3"/>
   <p:notesSz cx="6858000" cy="9144000"/>
@@ -118,7 +123,2554 @@
       </a:defRPr>
     </a:lvl9pPr>
   </p:defaultTextStyle>
+  <p:extLst>
+    <p:ext uri="{EFAFB233-063F-42B5-8137-9DF3F51BA10A}">
+      <p15:sldGuideLst xmlns:p15="http://schemas.microsoft.com/office/powerpoint/2012/main"/>
+    </p:ext>
+  </p:extLst>
 </p:presentation>
+</file>
+
+<file path=ppt/charts/chart1.xml><?xml version="1.0" encoding="utf-8"?>
+<c:chartSpace xmlns:c="http://schemas.openxmlformats.org/drawingml/2006/chart" xmlns:a="http://schemas.openxmlformats.org/drawingml/2006/main" xmlns:r="http://schemas.openxmlformats.org/officeDocument/2006/relationships">
+  <c:date1904 val="0"/>
+  <c:lang val="de-DE"/>
+  <c:roundedCorners val="0"/>
+  <mc:AlternateContent xmlns:mc="http://schemas.openxmlformats.org/markup-compatibility/2006">
+    <mc:Choice xmlns:c14="http://schemas.microsoft.com/office/drawing/2007/8/2/chart" Requires="c14">
+      <c14:style val="102"/>
+    </mc:Choice>
+    <mc:Fallback>
+      <c:style val="2"/>
+    </mc:Fallback>
+  </mc:AlternateContent>
+  <c:chart>
+    <c:title>
+      <c:tx>
+        <c:rich>
+          <a:bodyPr rot="0" spcFirstLastPara="1" vertOverflow="ellipsis" vert="horz" wrap="square" anchor="ctr" anchorCtr="1"/>
+          <a:lstStyle/>
+          <a:p>
+            <a:pPr>
+              <a:defRPr sz="1400" b="0" i="0" u="none" strike="noStrike" kern="1200" spc="0" baseline="0">
+                <a:solidFill>
+                  <a:schemeClr val="tx1">
+                    <a:lumMod val="65000"/>
+                    <a:lumOff val="35000"/>
+                  </a:schemeClr>
+                </a:solidFill>
+                <a:latin typeface="+mn-lt"/>
+                <a:ea typeface="+mn-ea"/>
+                <a:cs typeface="+mn-cs"/>
+              </a:defRPr>
+            </a:pPr>
+            <a:r>
+              <a:rPr lang="de-DE"/>
+              <a:t>Wallclock</a:t>
+            </a:r>
+            <a:r>
+              <a:rPr lang="de-DE" baseline="0"/>
+              <a:t> time</a:t>
+            </a:r>
+            <a:endParaRPr lang="de-DE"/>
+          </a:p>
+        </c:rich>
+      </c:tx>
+      <c:layout/>
+      <c:overlay val="0"/>
+      <c:spPr>
+        <a:noFill/>
+        <a:ln>
+          <a:noFill/>
+        </a:ln>
+        <a:effectLst/>
+      </c:spPr>
+      <c:txPr>
+        <a:bodyPr rot="0" spcFirstLastPara="1" vertOverflow="ellipsis" vert="horz" wrap="square" anchor="ctr" anchorCtr="1"/>
+        <a:lstStyle/>
+        <a:p>
+          <a:pPr>
+            <a:defRPr sz="1400" b="0" i="0" u="none" strike="noStrike" kern="1200" spc="0" baseline="0">
+              <a:solidFill>
+                <a:schemeClr val="tx1">
+                  <a:lumMod val="65000"/>
+                  <a:lumOff val="35000"/>
+                </a:schemeClr>
+              </a:solidFill>
+              <a:latin typeface="+mn-lt"/>
+              <a:ea typeface="+mn-ea"/>
+              <a:cs typeface="+mn-cs"/>
+            </a:defRPr>
+          </a:pPr>
+          <a:endParaRPr lang="de-DE"/>
+        </a:p>
+      </c:txPr>
+    </c:title>
+    <c:autoTitleDeleted val="0"/>
+    <c:plotArea>
+      <c:layout/>
+      <c:scatterChart>
+        <c:scatterStyle val="lineMarker"/>
+        <c:varyColors val="0"/>
+        <c:ser>
+          <c:idx val="2"/>
+          <c:order val="0"/>
+          <c:tx>
+            <c:strRef>
+              <c:f>local!$A$8</c:f>
+              <c:strCache>
+                <c:ptCount val="1"/>
+                <c:pt idx="0">
+                  <c:v>simple</c:v>
+                </c:pt>
+              </c:strCache>
+            </c:strRef>
+          </c:tx>
+          <c:spPr>
+            <a:ln w="19050" cap="rnd">
+              <a:solidFill>
+                <a:schemeClr val="accent3"/>
+              </a:solidFill>
+              <a:round/>
+            </a:ln>
+            <a:effectLst/>
+          </c:spPr>
+          <c:marker>
+            <c:symbol val="none"/>
+          </c:marker>
+          <c:xVal>
+            <c:numRef>
+              <c:f>local!$E$8:$E$10</c:f>
+              <c:numCache>
+                <c:formatCode>General</c:formatCode>
+                <c:ptCount val="3"/>
+                <c:pt idx="0">
+                  <c:v>5000</c:v>
+                </c:pt>
+                <c:pt idx="1">
+                  <c:v>10000</c:v>
+                </c:pt>
+                <c:pt idx="2">
+                  <c:v>20000</c:v>
+                </c:pt>
+              </c:numCache>
+            </c:numRef>
+          </c:xVal>
+          <c:yVal>
+            <c:numRef>
+              <c:f>local!$H$8:$H$10</c:f>
+              <c:numCache>
+                <c:formatCode>General</c:formatCode>
+                <c:ptCount val="3"/>
+                <c:pt idx="0">
+                  <c:v>1.45743</c:v>
+                </c:pt>
+                <c:pt idx="1">
+                  <c:v>5.6735170000000004</c:v>
+                </c:pt>
+                <c:pt idx="2">
+                  <c:v>23.730343999999999</c:v>
+                </c:pt>
+              </c:numCache>
+            </c:numRef>
+          </c:yVal>
+          <c:smooth val="0"/>
+        </c:ser>
+        <c:ser>
+          <c:idx val="3"/>
+          <c:order val="1"/>
+          <c:tx>
+            <c:strRef>
+              <c:f>local!$A$11</c:f>
+              <c:strCache>
+                <c:ptCount val="1"/>
+                <c:pt idx="0">
+                  <c:v>simple_opt</c:v>
+                </c:pt>
+              </c:strCache>
+            </c:strRef>
+          </c:tx>
+          <c:spPr>
+            <a:ln w="19050" cap="rnd">
+              <a:solidFill>
+                <a:schemeClr val="accent4"/>
+              </a:solidFill>
+              <a:round/>
+            </a:ln>
+            <a:effectLst/>
+          </c:spPr>
+          <c:marker>
+            <c:symbol val="none"/>
+          </c:marker>
+          <c:xVal>
+            <c:numRef>
+              <c:f>local!$E$11:$E$13</c:f>
+              <c:numCache>
+                <c:formatCode>General</c:formatCode>
+                <c:ptCount val="3"/>
+                <c:pt idx="0">
+                  <c:v>5000</c:v>
+                </c:pt>
+                <c:pt idx="1">
+                  <c:v>10000</c:v>
+                </c:pt>
+                <c:pt idx="2">
+                  <c:v>20000</c:v>
+                </c:pt>
+              </c:numCache>
+            </c:numRef>
+          </c:xVal>
+          <c:yVal>
+            <c:numRef>
+              <c:f>local!$H$11:$H$13</c:f>
+              <c:numCache>
+                <c:formatCode>General</c:formatCode>
+                <c:ptCount val="3"/>
+                <c:pt idx="0">
+                  <c:v>0.58900799999999998</c:v>
+                </c:pt>
+                <c:pt idx="1">
+                  <c:v>2.8338369999999999</c:v>
+                </c:pt>
+                <c:pt idx="2">
+                  <c:v>9.9837039999999995</c:v>
+                </c:pt>
+              </c:numCache>
+            </c:numRef>
+          </c:yVal>
+          <c:smooth val="0"/>
+        </c:ser>
+        <c:ser>
+          <c:idx val="4"/>
+          <c:order val="2"/>
+          <c:tx>
+            <c:strRef>
+              <c:f>local!$A$14</c:f>
+              <c:strCache>
+                <c:ptCount val="1"/>
+                <c:pt idx="0">
+                  <c:v>threads</c:v>
+                </c:pt>
+              </c:strCache>
+            </c:strRef>
+          </c:tx>
+          <c:spPr>
+            <a:ln w="19050" cap="rnd">
+              <a:solidFill>
+                <a:schemeClr val="accent5"/>
+              </a:solidFill>
+              <a:round/>
+            </a:ln>
+            <a:effectLst/>
+          </c:spPr>
+          <c:marker>
+            <c:symbol val="none"/>
+          </c:marker>
+          <c:xVal>
+            <c:numRef>
+              <c:f>local!$E$14:$E$16</c:f>
+              <c:numCache>
+                <c:formatCode>General</c:formatCode>
+                <c:ptCount val="3"/>
+                <c:pt idx="0">
+                  <c:v>5000</c:v>
+                </c:pt>
+                <c:pt idx="1">
+                  <c:v>10000</c:v>
+                </c:pt>
+                <c:pt idx="2">
+                  <c:v>20000</c:v>
+                </c:pt>
+              </c:numCache>
+            </c:numRef>
+          </c:xVal>
+          <c:yVal>
+            <c:numRef>
+              <c:f>local!$H$14:$H$16</c:f>
+              <c:numCache>
+                <c:formatCode>General</c:formatCode>
+                <c:ptCount val="3"/>
+                <c:pt idx="0">
+                  <c:v>0.22198000000000001</c:v>
+                </c:pt>
+                <c:pt idx="1">
+                  <c:v>1.0098320000000001</c:v>
+                </c:pt>
+                <c:pt idx="2">
+                  <c:v>3.5862569999999998</c:v>
+                </c:pt>
+              </c:numCache>
+            </c:numRef>
+          </c:yVal>
+          <c:smooth val="0"/>
+        </c:ser>
+        <c:ser>
+          <c:idx val="1"/>
+          <c:order val="3"/>
+          <c:tx>
+            <c:strRef>
+              <c:f>local!$A$5</c:f>
+              <c:strCache>
+                <c:ptCount val="1"/>
+                <c:pt idx="0">
+                  <c:v>nodes</c:v>
+                </c:pt>
+              </c:strCache>
+            </c:strRef>
+          </c:tx>
+          <c:spPr>
+            <a:ln w="19050" cap="rnd">
+              <a:solidFill>
+                <a:schemeClr val="accent2"/>
+              </a:solidFill>
+              <a:round/>
+            </a:ln>
+            <a:effectLst/>
+          </c:spPr>
+          <c:marker>
+            <c:symbol val="none"/>
+          </c:marker>
+          <c:xVal>
+            <c:numRef>
+              <c:f>local!$E$5:$E$7</c:f>
+              <c:numCache>
+                <c:formatCode>General</c:formatCode>
+                <c:ptCount val="3"/>
+                <c:pt idx="0">
+                  <c:v>5000</c:v>
+                </c:pt>
+                <c:pt idx="1">
+                  <c:v>10000</c:v>
+                </c:pt>
+                <c:pt idx="2">
+                  <c:v>20000</c:v>
+                </c:pt>
+              </c:numCache>
+            </c:numRef>
+          </c:xVal>
+          <c:yVal>
+            <c:numRef>
+              <c:f>local!$H$5:$H$7</c:f>
+              <c:numCache>
+                <c:formatCode>General</c:formatCode>
+                <c:ptCount val="3"/>
+                <c:pt idx="0">
+                  <c:v>0.39175399999999999</c:v>
+                </c:pt>
+                <c:pt idx="1">
+                  <c:v>2.0284629999999999</c:v>
+                </c:pt>
+                <c:pt idx="2">
+                  <c:v>7.7962290000000003</c:v>
+                </c:pt>
+              </c:numCache>
+            </c:numRef>
+          </c:yVal>
+          <c:smooth val="0"/>
+        </c:ser>
+        <c:ser>
+          <c:idx val="0"/>
+          <c:order val="4"/>
+          <c:tx>
+            <c:strRef>
+              <c:f>local!$A$2</c:f>
+              <c:strCache>
+                <c:ptCount val="1"/>
+                <c:pt idx="0">
+                  <c:v>hybrid</c:v>
+                </c:pt>
+              </c:strCache>
+            </c:strRef>
+          </c:tx>
+          <c:spPr>
+            <a:ln w="19050" cap="rnd">
+              <a:solidFill>
+                <a:schemeClr val="accent1"/>
+              </a:solidFill>
+              <a:round/>
+            </a:ln>
+            <a:effectLst/>
+          </c:spPr>
+          <c:marker>
+            <c:symbol val="none"/>
+          </c:marker>
+          <c:xVal>
+            <c:numRef>
+              <c:f>local!$E$2:$E$4</c:f>
+              <c:numCache>
+                <c:formatCode>General</c:formatCode>
+                <c:ptCount val="3"/>
+                <c:pt idx="0">
+                  <c:v>5000</c:v>
+                </c:pt>
+                <c:pt idx="1">
+                  <c:v>10000</c:v>
+                </c:pt>
+                <c:pt idx="2">
+                  <c:v>20000</c:v>
+                </c:pt>
+              </c:numCache>
+            </c:numRef>
+          </c:xVal>
+          <c:yVal>
+            <c:numRef>
+              <c:f>local!$H$2:$H$4</c:f>
+              <c:numCache>
+                <c:formatCode>General</c:formatCode>
+                <c:ptCount val="3"/>
+                <c:pt idx="0">
+                  <c:v>0.29768899999999998</c:v>
+                </c:pt>
+                <c:pt idx="1">
+                  <c:v>1.183514</c:v>
+                </c:pt>
+                <c:pt idx="2">
+                  <c:v>3.7998180000000001</c:v>
+                </c:pt>
+              </c:numCache>
+            </c:numRef>
+          </c:yVal>
+          <c:smooth val="0"/>
+        </c:ser>
+        <c:dLbls>
+          <c:showLegendKey val="0"/>
+          <c:showVal val="0"/>
+          <c:showCatName val="0"/>
+          <c:showSerName val="0"/>
+          <c:showPercent val="0"/>
+          <c:showBubbleSize val="0"/>
+        </c:dLbls>
+        <c:axId val="364676696"/>
+        <c:axId val="364670424"/>
+      </c:scatterChart>
+      <c:valAx>
+        <c:axId val="364676696"/>
+        <c:scaling>
+          <c:orientation val="minMax"/>
+          <c:max val="20000"/>
+          <c:min val="5000"/>
+        </c:scaling>
+        <c:delete val="0"/>
+        <c:axPos val="b"/>
+        <c:majorGridlines>
+          <c:spPr>
+            <a:ln w="9525" cap="flat" cmpd="sng" algn="ctr">
+              <a:solidFill>
+                <a:schemeClr val="tx1">
+                  <a:lumMod val="15000"/>
+                  <a:lumOff val="85000"/>
+                </a:schemeClr>
+              </a:solidFill>
+              <a:round/>
+            </a:ln>
+            <a:effectLst/>
+          </c:spPr>
+        </c:majorGridlines>
+        <c:title>
+          <c:tx>
+            <c:rich>
+              <a:bodyPr rot="0" spcFirstLastPara="1" vertOverflow="ellipsis" vert="horz" wrap="square" anchor="ctr" anchorCtr="1"/>
+              <a:lstStyle/>
+              <a:p>
+                <a:pPr>
+                  <a:defRPr sz="1000" b="0" i="0" u="none" strike="noStrike" kern="1200" baseline="0">
+                    <a:solidFill>
+                      <a:schemeClr val="tx1">
+                        <a:lumMod val="65000"/>
+                        <a:lumOff val="35000"/>
+                      </a:schemeClr>
+                    </a:solidFill>
+                    <a:latin typeface="+mn-lt"/>
+                    <a:ea typeface="+mn-ea"/>
+                    <a:cs typeface="+mn-cs"/>
+                  </a:defRPr>
+                </a:pPr>
+                <a:r>
+                  <a:rPr lang="de-DE"/>
+                  <a:t>Problem size</a:t>
+                </a:r>
+              </a:p>
+            </c:rich>
+          </c:tx>
+          <c:layout/>
+          <c:overlay val="0"/>
+          <c:spPr>
+            <a:noFill/>
+            <a:ln>
+              <a:noFill/>
+            </a:ln>
+            <a:effectLst/>
+          </c:spPr>
+          <c:txPr>
+            <a:bodyPr rot="0" spcFirstLastPara="1" vertOverflow="ellipsis" vert="horz" wrap="square" anchor="ctr" anchorCtr="1"/>
+            <a:lstStyle/>
+            <a:p>
+              <a:pPr>
+                <a:defRPr sz="1000" b="0" i="0" u="none" strike="noStrike" kern="1200" baseline="0">
+                  <a:solidFill>
+                    <a:schemeClr val="tx1">
+                      <a:lumMod val="65000"/>
+                      <a:lumOff val="35000"/>
+                    </a:schemeClr>
+                  </a:solidFill>
+                  <a:latin typeface="+mn-lt"/>
+                  <a:ea typeface="+mn-ea"/>
+                  <a:cs typeface="+mn-cs"/>
+                </a:defRPr>
+              </a:pPr>
+              <a:endParaRPr lang="de-DE"/>
+            </a:p>
+          </c:txPr>
+        </c:title>
+        <c:numFmt formatCode="General" sourceLinked="1"/>
+        <c:majorTickMark val="none"/>
+        <c:minorTickMark val="none"/>
+        <c:tickLblPos val="nextTo"/>
+        <c:spPr>
+          <a:noFill/>
+          <a:ln w="9525" cap="flat" cmpd="sng" algn="ctr">
+            <a:solidFill>
+              <a:schemeClr val="tx1">
+                <a:lumMod val="25000"/>
+                <a:lumOff val="75000"/>
+              </a:schemeClr>
+            </a:solidFill>
+            <a:round/>
+          </a:ln>
+          <a:effectLst/>
+        </c:spPr>
+        <c:txPr>
+          <a:bodyPr rot="-60000000" spcFirstLastPara="1" vertOverflow="ellipsis" vert="horz" wrap="square" anchor="ctr" anchorCtr="1"/>
+          <a:lstStyle/>
+          <a:p>
+            <a:pPr>
+              <a:defRPr sz="900" b="0" i="0" u="none" strike="noStrike" kern="1200" baseline="0">
+                <a:solidFill>
+                  <a:schemeClr val="tx1">
+                    <a:lumMod val="65000"/>
+                    <a:lumOff val="35000"/>
+                  </a:schemeClr>
+                </a:solidFill>
+                <a:latin typeface="+mn-lt"/>
+                <a:ea typeface="+mn-ea"/>
+                <a:cs typeface="+mn-cs"/>
+              </a:defRPr>
+            </a:pPr>
+            <a:endParaRPr lang="de-DE"/>
+          </a:p>
+        </c:txPr>
+        <c:crossAx val="364670424"/>
+        <c:crosses val="autoZero"/>
+        <c:crossBetween val="midCat"/>
+      </c:valAx>
+      <c:valAx>
+        <c:axId val="364670424"/>
+        <c:scaling>
+          <c:orientation val="minMax"/>
+        </c:scaling>
+        <c:delete val="0"/>
+        <c:axPos val="l"/>
+        <c:majorGridlines>
+          <c:spPr>
+            <a:ln w="9525" cap="flat" cmpd="sng" algn="ctr">
+              <a:solidFill>
+                <a:schemeClr val="tx1">
+                  <a:lumMod val="15000"/>
+                  <a:lumOff val="85000"/>
+                </a:schemeClr>
+              </a:solidFill>
+              <a:round/>
+            </a:ln>
+            <a:effectLst/>
+          </c:spPr>
+        </c:majorGridlines>
+        <c:title>
+          <c:tx>
+            <c:rich>
+              <a:bodyPr rot="-5400000" spcFirstLastPara="1" vertOverflow="ellipsis" vert="horz" wrap="square" anchor="ctr" anchorCtr="1"/>
+              <a:lstStyle/>
+              <a:p>
+                <a:pPr>
+                  <a:defRPr sz="1000" b="0" i="0" u="none" strike="noStrike" kern="1200" baseline="0">
+                    <a:solidFill>
+                      <a:schemeClr val="tx1">
+                        <a:lumMod val="65000"/>
+                        <a:lumOff val="35000"/>
+                      </a:schemeClr>
+                    </a:solidFill>
+                    <a:latin typeface="+mn-lt"/>
+                    <a:ea typeface="+mn-ea"/>
+                    <a:cs typeface="+mn-cs"/>
+                  </a:defRPr>
+                </a:pPr>
+                <a:r>
+                  <a:rPr lang="de-DE"/>
+                  <a:t>Seconds</a:t>
+                </a:r>
+              </a:p>
+            </c:rich>
+          </c:tx>
+          <c:layout/>
+          <c:overlay val="0"/>
+          <c:spPr>
+            <a:noFill/>
+            <a:ln>
+              <a:noFill/>
+            </a:ln>
+            <a:effectLst/>
+          </c:spPr>
+          <c:txPr>
+            <a:bodyPr rot="-5400000" spcFirstLastPara="1" vertOverflow="ellipsis" vert="horz" wrap="square" anchor="ctr" anchorCtr="1"/>
+            <a:lstStyle/>
+            <a:p>
+              <a:pPr>
+                <a:defRPr sz="1000" b="0" i="0" u="none" strike="noStrike" kern="1200" baseline="0">
+                  <a:solidFill>
+                    <a:schemeClr val="tx1">
+                      <a:lumMod val="65000"/>
+                      <a:lumOff val="35000"/>
+                    </a:schemeClr>
+                  </a:solidFill>
+                  <a:latin typeface="+mn-lt"/>
+                  <a:ea typeface="+mn-ea"/>
+                  <a:cs typeface="+mn-cs"/>
+                </a:defRPr>
+              </a:pPr>
+              <a:endParaRPr lang="de-DE"/>
+            </a:p>
+          </c:txPr>
+        </c:title>
+        <c:numFmt formatCode="General" sourceLinked="1"/>
+        <c:majorTickMark val="none"/>
+        <c:minorTickMark val="none"/>
+        <c:tickLblPos val="nextTo"/>
+        <c:spPr>
+          <a:noFill/>
+          <a:ln w="9525" cap="flat" cmpd="sng" algn="ctr">
+            <a:solidFill>
+              <a:schemeClr val="tx1">
+                <a:lumMod val="25000"/>
+                <a:lumOff val="75000"/>
+              </a:schemeClr>
+            </a:solidFill>
+            <a:round/>
+          </a:ln>
+          <a:effectLst/>
+        </c:spPr>
+        <c:txPr>
+          <a:bodyPr rot="-60000000" spcFirstLastPara="1" vertOverflow="ellipsis" vert="horz" wrap="square" anchor="ctr" anchorCtr="1"/>
+          <a:lstStyle/>
+          <a:p>
+            <a:pPr>
+              <a:defRPr sz="1600" b="0" i="0" u="none" strike="noStrike" kern="1200" baseline="0">
+                <a:solidFill>
+                  <a:schemeClr val="tx1">
+                    <a:lumMod val="65000"/>
+                    <a:lumOff val="35000"/>
+                  </a:schemeClr>
+                </a:solidFill>
+                <a:latin typeface="+mn-lt"/>
+                <a:ea typeface="+mn-ea"/>
+                <a:cs typeface="+mn-cs"/>
+              </a:defRPr>
+            </a:pPr>
+            <a:endParaRPr lang="de-DE"/>
+          </a:p>
+        </c:txPr>
+        <c:crossAx val="364676696"/>
+        <c:crosses val="autoZero"/>
+        <c:crossBetween val="midCat"/>
+      </c:valAx>
+      <c:spPr>
+        <a:noFill/>
+        <a:ln>
+          <a:noFill/>
+        </a:ln>
+        <a:effectLst/>
+      </c:spPr>
+    </c:plotArea>
+    <c:legend>
+      <c:legendPos val="r"/>
+      <c:layout/>
+      <c:overlay val="0"/>
+      <c:spPr>
+        <a:noFill/>
+        <a:ln>
+          <a:noFill/>
+        </a:ln>
+        <a:effectLst/>
+      </c:spPr>
+      <c:txPr>
+        <a:bodyPr rot="0" spcFirstLastPara="1" vertOverflow="ellipsis" vert="horz" wrap="square" anchor="ctr" anchorCtr="1"/>
+        <a:lstStyle/>
+        <a:p>
+          <a:pPr>
+            <a:defRPr sz="2000" b="0" i="0" u="none" strike="noStrike" kern="1200" baseline="0">
+              <a:solidFill>
+                <a:schemeClr val="tx1">
+                  <a:lumMod val="65000"/>
+                  <a:lumOff val="35000"/>
+                </a:schemeClr>
+              </a:solidFill>
+              <a:latin typeface="+mn-lt"/>
+              <a:ea typeface="+mn-ea"/>
+              <a:cs typeface="+mn-cs"/>
+            </a:defRPr>
+          </a:pPr>
+          <a:endParaRPr lang="de-DE"/>
+        </a:p>
+      </c:txPr>
+    </c:legend>
+    <c:plotVisOnly val="1"/>
+    <c:dispBlanksAs val="gap"/>
+    <c:showDLblsOverMax val="0"/>
+  </c:chart>
+  <c:spPr>
+    <a:noFill/>
+    <a:ln>
+      <a:noFill/>
+    </a:ln>
+    <a:effectLst/>
+  </c:spPr>
+  <c:txPr>
+    <a:bodyPr/>
+    <a:lstStyle/>
+    <a:p>
+      <a:pPr>
+        <a:defRPr/>
+      </a:pPr>
+      <a:endParaRPr lang="de-DE"/>
+    </a:p>
+  </c:txPr>
+  <c:externalData r:id="rId3">
+    <c:autoUpdate val="0"/>
+  </c:externalData>
+</c:chartSpace>
+</file>
+
+<file path=ppt/charts/chart2.xml><?xml version="1.0" encoding="utf-8"?>
+<c:chartSpace xmlns:c="http://schemas.openxmlformats.org/drawingml/2006/chart" xmlns:a="http://schemas.openxmlformats.org/drawingml/2006/main" xmlns:r="http://schemas.openxmlformats.org/officeDocument/2006/relationships">
+  <c:date1904 val="0"/>
+  <c:lang val="de-DE"/>
+  <c:roundedCorners val="0"/>
+  <mc:AlternateContent xmlns:mc="http://schemas.openxmlformats.org/markup-compatibility/2006">
+    <mc:Choice xmlns:c14="http://schemas.microsoft.com/office/drawing/2007/8/2/chart" Requires="c14">
+      <c14:style val="102"/>
+    </mc:Choice>
+    <mc:Fallback>
+      <c:style val="2"/>
+    </mc:Fallback>
+  </mc:AlternateContent>
+  <c:chart>
+    <c:title>
+      <c:tx>
+        <c:rich>
+          <a:bodyPr rot="0" spcFirstLastPara="1" vertOverflow="ellipsis" vert="horz" wrap="square" anchor="ctr" anchorCtr="1"/>
+          <a:lstStyle/>
+          <a:p>
+            <a:pPr>
+              <a:defRPr sz="1400" b="0" i="0" u="none" strike="noStrike" kern="1200" spc="0" baseline="0">
+                <a:solidFill>
+                  <a:schemeClr val="tx1">
+                    <a:lumMod val="65000"/>
+                    <a:lumOff val="35000"/>
+                  </a:schemeClr>
+                </a:solidFill>
+                <a:latin typeface="+mn-lt"/>
+                <a:ea typeface="+mn-ea"/>
+                <a:cs typeface="+mn-cs"/>
+              </a:defRPr>
+            </a:pPr>
+            <a:r>
+              <a:rPr lang="de-DE"/>
+              <a:t>Parallel efficiency</a:t>
+            </a:r>
+          </a:p>
+        </c:rich>
+      </c:tx>
+      <c:layout/>
+      <c:overlay val="0"/>
+      <c:spPr>
+        <a:noFill/>
+        <a:ln>
+          <a:noFill/>
+        </a:ln>
+        <a:effectLst/>
+      </c:spPr>
+      <c:txPr>
+        <a:bodyPr rot="0" spcFirstLastPara="1" vertOverflow="ellipsis" vert="horz" wrap="square" anchor="ctr" anchorCtr="1"/>
+        <a:lstStyle/>
+        <a:p>
+          <a:pPr>
+            <a:defRPr sz="1400" b="0" i="0" u="none" strike="noStrike" kern="1200" spc="0" baseline="0">
+              <a:solidFill>
+                <a:schemeClr val="tx1">
+                  <a:lumMod val="65000"/>
+                  <a:lumOff val="35000"/>
+                </a:schemeClr>
+              </a:solidFill>
+              <a:latin typeface="+mn-lt"/>
+              <a:ea typeface="+mn-ea"/>
+              <a:cs typeface="+mn-cs"/>
+            </a:defRPr>
+          </a:pPr>
+          <a:endParaRPr lang="de-DE"/>
+        </a:p>
+      </c:txPr>
+    </c:title>
+    <c:autoTitleDeleted val="0"/>
+    <c:plotArea>
+      <c:layout/>
+      <c:scatterChart>
+        <c:scatterStyle val="lineMarker"/>
+        <c:varyColors val="0"/>
+        <c:ser>
+          <c:idx val="2"/>
+          <c:order val="0"/>
+          <c:tx>
+            <c:strRef>
+              <c:f>local!$A$8</c:f>
+              <c:strCache>
+                <c:ptCount val="1"/>
+                <c:pt idx="0">
+                  <c:v>simple</c:v>
+                </c:pt>
+              </c:strCache>
+            </c:strRef>
+          </c:tx>
+          <c:spPr>
+            <a:ln w="19050" cap="rnd">
+              <a:solidFill>
+                <a:schemeClr val="accent3"/>
+              </a:solidFill>
+              <a:round/>
+            </a:ln>
+            <a:effectLst/>
+          </c:spPr>
+          <c:marker>
+            <c:symbol val="none"/>
+          </c:marker>
+          <c:xVal>
+            <c:numRef>
+              <c:f>local!$E$8:$E$10</c:f>
+              <c:numCache>
+                <c:formatCode>General</c:formatCode>
+                <c:ptCount val="3"/>
+                <c:pt idx="0">
+                  <c:v>5000</c:v>
+                </c:pt>
+                <c:pt idx="1">
+                  <c:v>10000</c:v>
+                </c:pt>
+                <c:pt idx="2">
+                  <c:v>20000</c:v>
+                </c:pt>
+              </c:numCache>
+            </c:numRef>
+          </c:xVal>
+          <c:yVal>
+            <c:numRef>
+              <c:f>local!$K$8:$K$10</c:f>
+              <c:numCache>
+                <c:formatCode>General</c:formatCode>
+                <c:ptCount val="3"/>
+                <c:pt idx="0">
+                  <c:v>0.98632524375098629</c:v>
+                </c:pt>
+                <c:pt idx="1">
+                  <c:v>0.99420253786143575</c:v>
+                </c:pt>
+                <c:pt idx="2">
+                  <c:v>1.0001698669012131</c:v>
+                </c:pt>
+              </c:numCache>
+            </c:numRef>
+          </c:yVal>
+          <c:smooth val="0"/>
+        </c:ser>
+        <c:ser>
+          <c:idx val="3"/>
+          <c:order val="1"/>
+          <c:tx>
+            <c:strRef>
+              <c:f>local!$A$11</c:f>
+              <c:strCache>
+                <c:ptCount val="1"/>
+                <c:pt idx="0">
+                  <c:v>simple_opt</c:v>
+                </c:pt>
+              </c:strCache>
+            </c:strRef>
+          </c:tx>
+          <c:spPr>
+            <a:ln w="19050" cap="rnd">
+              <a:solidFill>
+                <a:schemeClr val="accent4"/>
+              </a:solidFill>
+              <a:round/>
+            </a:ln>
+            <a:effectLst/>
+          </c:spPr>
+          <c:marker>
+            <c:symbol val="none"/>
+          </c:marker>
+          <c:xVal>
+            <c:numRef>
+              <c:f>local!$E$11:$E$13</c:f>
+              <c:numCache>
+                <c:formatCode>General</c:formatCode>
+                <c:ptCount val="3"/>
+                <c:pt idx="0">
+                  <c:v>5000</c:v>
+                </c:pt>
+                <c:pt idx="1">
+                  <c:v>10000</c:v>
+                </c:pt>
+                <c:pt idx="2">
+                  <c:v>20000</c:v>
+                </c:pt>
+              </c:numCache>
+            </c:numRef>
+          </c:xVal>
+          <c:yVal>
+            <c:numRef>
+              <c:f>local!$K$11:$K$13</c:f>
+              <c:numCache>
+                <c:formatCode>General</c:formatCode>
+                <c:ptCount val="3"/>
+                <c:pt idx="0">
+                  <c:v>1.0080508244370197</c:v>
+                </c:pt>
+                <c:pt idx="1">
+                  <c:v>0.99798435830995225</c:v>
+                </c:pt>
+                <c:pt idx="2">
+                  <c:v>0.97972155424479734</c:v>
+                </c:pt>
+              </c:numCache>
+            </c:numRef>
+          </c:yVal>
+          <c:smooth val="0"/>
+        </c:ser>
+        <c:ser>
+          <c:idx val="4"/>
+          <c:order val="2"/>
+          <c:tx>
+            <c:strRef>
+              <c:f>local!$A$14</c:f>
+              <c:strCache>
+                <c:ptCount val="1"/>
+                <c:pt idx="0">
+                  <c:v>threads</c:v>
+                </c:pt>
+              </c:strCache>
+            </c:strRef>
+          </c:tx>
+          <c:spPr>
+            <a:ln w="19050" cap="rnd">
+              <a:solidFill>
+                <a:schemeClr val="accent5"/>
+              </a:solidFill>
+              <a:round/>
+            </a:ln>
+            <a:effectLst/>
+          </c:spPr>
+          <c:marker>
+            <c:symbol val="none"/>
+          </c:marker>
+          <c:xVal>
+            <c:numRef>
+              <c:f>local!$E$14:$E$16</c:f>
+              <c:numCache>
+                <c:formatCode>General</c:formatCode>
+                <c:ptCount val="3"/>
+                <c:pt idx="0">
+                  <c:v>5000</c:v>
+                </c:pt>
+                <c:pt idx="1">
+                  <c:v>10000</c:v>
+                </c:pt>
+                <c:pt idx="2">
+                  <c:v>20000</c:v>
+                </c:pt>
+              </c:numCache>
+            </c:numRef>
+          </c:xVal>
+          <c:yVal>
+            <c:numRef>
+              <c:f>local!$K$14:$K$16</c:f>
+              <c:numCache>
+                <c:formatCode>General</c:formatCode>
+                <c:ptCount val="3"/>
+                <c:pt idx="0">
+                  <c:v>0.89746260924407595</c:v>
+                </c:pt>
+                <c:pt idx="1">
+                  <c:v>0.90903115567737991</c:v>
+                </c:pt>
+                <c:pt idx="2">
+                  <c:v>0.95307412435862804</c:v>
+                </c:pt>
+              </c:numCache>
+            </c:numRef>
+          </c:yVal>
+          <c:smooth val="0"/>
+        </c:ser>
+        <c:ser>
+          <c:idx val="1"/>
+          <c:order val="3"/>
+          <c:tx>
+            <c:strRef>
+              <c:f>local!$A$5</c:f>
+              <c:strCache>
+                <c:ptCount val="1"/>
+                <c:pt idx="0">
+                  <c:v>nodes</c:v>
+                </c:pt>
+              </c:strCache>
+            </c:strRef>
+          </c:tx>
+          <c:spPr>
+            <a:ln w="19050" cap="rnd">
+              <a:solidFill>
+                <a:schemeClr val="accent2"/>
+              </a:solidFill>
+              <a:round/>
+            </a:ln>
+            <a:effectLst/>
+          </c:spPr>
+          <c:marker>
+            <c:symbol val="none"/>
+          </c:marker>
+          <c:xVal>
+            <c:numRef>
+              <c:f>local!$E$5:$E$7</c:f>
+              <c:numCache>
+                <c:formatCode>General</c:formatCode>
+                <c:ptCount val="3"/>
+                <c:pt idx="0">
+                  <c:v>5000</c:v>
+                </c:pt>
+                <c:pt idx="1">
+                  <c:v>10000</c:v>
+                </c:pt>
+                <c:pt idx="2">
+                  <c:v>20000</c:v>
+                </c:pt>
+              </c:numCache>
+            </c:numRef>
+          </c:xVal>
+          <c:yVal>
+            <c:numRef>
+              <c:f>local!$K$5:$K$7</c:f>
+              <c:numCache>
+                <c:formatCode>General</c:formatCode>
+                <c:ptCount val="3"/>
+                <c:pt idx="0">
+                  <c:v>0.9971180894132543</c:v>
+                </c:pt>
+                <c:pt idx="1">
+                  <c:v>0.98981963190849431</c:v>
+                </c:pt>
+                <c:pt idx="2">
+                  <c:v>0.99006199022630037</c:v>
+                </c:pt>
+              </c:numCache>
+            </c:numRef>
+          </c:yVal>
+          <c:smooth val="0"/>
+        </c:ser>
+        <c:ser>
+          <c:idx val="0"/>
+          <c:order val="4"/>
+          <c:tx>
+            <c:strRef>
+              <c:f>local!$A$2</c:f>
+              <c:strCache>
+                <c:ptCount val="1"/>
+                <c:pt idx="0">
+                  <c:v>hybrid</c:v>
+                </c:pt>
+              </c:strCache>
+            </c:strRef>
+          </c:tx>
+          <c:spPr>
+            <a:ln w="19050" cap="rnd">
+              <a:solidFill>
+                <a:schemeClr val="accent1"/>
+              </a:solidFill>
+              <a:round/>
+            </a:ln>
+            <a:effectLst/>
+          </c:spPr>
+          <c:marker>
+            <c:symbol val="none"/>
+          </c:marker>
+          <c:xVal>
+            <c:numRef>
+              <c:f>local!$E$2:$E$4</c:f>
+              <c:numCache>
+                <c:formatCode>General</c:formatCode>
+                <c:ptCount val="3"/>
+                <c:pt idx="0">
+                  <c:v>5000</c:v>
+                </c:pt>
+                <c:pt idx="1">
+                  <c:v>10000</c:v>
+                </c:pt>
+                <c:pt idx="2">
+                  <c:v>20000</c:v>
+                </c:pt>
+              </c:numCache>
+            </c:numRef>
+          </c:xVal>
+          <c:yVal>
+            <c:numRef>
+              <c:f>local!$K$2:$K$4</c:f>
+              <c:numCache>
+                <c:formatCode>General</c:formatCode>
+                <c:ptCount val="3"/>
+                <c:pt idx="0">
+                  <c:v>0.76763207575691417</c:v>
+                </c:pt>
+                <c:pt idx="1">
+                  <c:v>0.76077733343247311</c:v>
+                </c:pt>
+                <c:pt idx="2">
+                  <c:v>0.96118912800560441</c:v>
+                </c:pt>
+              </c:numCache>
+            </c:numRef>
+          </c:yVal>
+          <c:smooth val="0"/>
+        </c:ser>
+        <c:dLbls>
+          <c:showLegendKey val="0"/>
+          <c:showVal val="0"/>
+          <c:showCatName val="0"/>
+          <c:showSerName val="0"/>
+          <c:showPercent val="0"/>
+          <c:showBubbleSize val="0"/>
+        </c:dLbls>
+        <c:axId val="409823384"/>
+        <c:axId val="409824168"/>
+      </c:scatterChart>
+      <c:valAx>
+        <c:axId val="409823384"/>
+        <c:scaling>
+          <c:orientation val="minMax"/>
+          <c:max val="20000"/>
+          <c:min val="5000"/>
+        </c:scaling>
+        <c:delete val="0"/>
+        <c:axPos val="b"/>
+        <c:majorGridlines>
+          <c:spPr>
+            <a:ln w="9525" cap="flat" cmpd="sng" algn="ctr">
+              <a:solidFill>
+                <a:schemeClr val="tx1">
+                  <a:lumMod val="15000"/>
+                  <a:lumOff val="85000"/>
+                </a:schemeClr>
+              </a:solidFill>
+              <a:round/>
+            </a:ln>
+            <a:effectLst/>
+          </c:spPr>
+        </c:majorGridlines>
+        <c:title>
+          <c:tx>
+            <c:rich>
+              <a:bodyPr rot="0" spcFirstLastPara="1" vertOverflow="ellipsis" vert="horz" wrap="square" anchor="ctr" anchorCtr="1"/>
+              <a:lstStyle/>
+              <a:p>
+                <a:pPr>
+                  <a:defRPr sz="1000" b="0" i="0" u="none" strike="noStrike" kern="1200" baseline="0">
+                    <a:solidFill>
+                      <a:schemeClr val="tx1">
+                        <a:lumMod val="65000"/>
+                        <a:lumOff val="35000"/>
+                      </a:schemeClr>
+                    </a:solidFill>
+                    <a:latin typeface="+mn-lt"/>
+                    <a:ea typeface="+mn-ea"/>
+                    <a:cs typeface="+mn-cs"/>
+                  </a:defRPr>
+                </a:pPr>
+                <a:r>
+                  <a:rPr lang="de-DE"/>
+                  <a:t>Problem size</a:t>
+                </a:r>
+              </a:p>
+            </c:rich>
+          </c:tx>
+          <c:layout/>
+          <c:overlay val="0"/>
+          <c:spPr>
+            <a:noFill/>
+            <a:ln>
+              <a:noFill/>
+            </a:ln>
+            <a:effectLst/>
+          </c:spPr>
+          <c:txPr>
+            <a:bodyPr rot="0" spcFirstLastPara="1" vertOverflow="ellipsis" vert="horz" wrap="square" anchor="ctr" anchorCtr="1"/>
+            <a:lstStyle/>
+            <a:p>
+              <a:pPr>
+                <a:defRPr sz="1000" b="0" i="0" u="none" strike="noStrike" kern="1200" baseline="0">
+                  <a:solidFill>
+                    <a:schemeClr val="tx1">
+                      <a:lumMod val="65000"/>
+                      <a:lumOff val="35000"/>
+                    </a:schemeClr>
+                  </a:solidFill>
+                  <a:latin typeface="+mn-lt"/>
+                  <a:ea typeface="+mn-ea"/>
+                  <a:cs typeface="+mn-cs"/>
+                </a:defRPr>
+              </a:pPr>
+              <a:endParaRPr lang="de-DE"/>
+            </a:p>
+          </c:txPr>
+        </c:title>
+        <c:numFmt formatCode="General" sourceLinked="1"/>
+        <c:majorTickMark val="none"/>
+        <c:minorTickMark val="none"/>
+        <c:tickLblPos val="nextTo"/>
+        <c:spPr>
+          <a:noFill/>
+          <a:ln w="9525" cap="flat" cmpd="sng" algn="ctr">
+            <a:solidFill>
+              <a:schemeClr val="tx1">
+                <a:lumMod val="25000"/>
+                <a:lumOff val="75000"/>
+              </a:schemeClr>
+            </a:solidFill>
+            <a:round/>
+          </a:ln>
+          <a:effectLst/>
+        </c:spPr>
+        <c:txPr>
+          <a:bodyPr rot="-60000000" spcFirstLastPara="1" vertOverflow="ellipsis" vert="horz" wrap="square" anchor="ctr" anchorCtr="1"/>
+          <a:lstStyle/>
+          <a:p>
+            <a:pPr>
+              <a:defRPr sz="900" b="0" i="0" u="none" strike="noStrike" kern="1200" baseline="0">
+                <a:solidFill>
+                  <a:schemeClr val="tx1">
+                    <a:lumMod val="65000"/>
+                    <a:lumOff val="35000"/>
+                  </a:schemeClr>
+                </a:solidFill>
+                <a:latin typeface="+mn-lt"/>
+                <a:ea typeface="+mn-ea"/>
+                <a:cs typeface="+mn-cs"/>
+              </a:defRPr>
+            </a:pPr>
+            <a:endParaRPr lang="de-DE"/>
+          </a:p>
+        </c:txPr>
+        <c:crossAx val="409824168"/>
+        <c:crosses val="autoZero"/>
+        <c:crossBetween val="midCat"/>
+      </c:valAx>
+      <c:valAx>
+        <c:axId val="409824168"/>
+        <c:scaling>
+          <c:orientation val="minMax"/>
+          <c:min val="0.70000000000000007"/>
+        </c:scaling>
+        <c:delete val="0"/>
+        <c:axPos val="l"/>
+        <c:majorGridlines>
+          <c:spPr>
+            <a:ln w="9525" cap="flat" cmpd="sng" algn="ctr">
+              <a:solidFill>
+                <a:schemeClr val="tx1">
+                  <a:lumMod val="15000"/>
+                  <a:lumOff val="85000"/>
+                </a:schemeClr>
+              </a:solidFill>
+              <a:round/>
+            </a:ln>
+            <a:effectLst/>
+          </c:spPr>
+        </c:majorGridlines>
+        <c:title>
+          <c:tx>
+            <c:rich>
+              <a:bodyPr rot="-5400000" spcFirstLastPara="1" vertOverflow="ellipsis" vert="horz" wrap="square" anchor="ctr" anchorCtr="1"/>
+              <a:lstStyle/>
+              <a:p>
+                <a:pPr>
+                  <a:defRPr sz="1000" b="0" i="0" u="none" strike="noStrike" kern="1200" baseline="0">
+                    <a:solidFill>
+                      <a:schemeClr val="tx1">
+                        <a:lumMod val="65000"/>
+                        <a:lumOff val="35000"/>
+                      </a:schemeClr>
+                    </a:solidFill>
+                    <a:latin typeface="+mn-lt"/>
+                    <a:ea typeface="+mn-ea"/>
+                    <a:cs typeface="+mn-cs"/>
+                  </a:defRPr>
+                </a:pPr>
+                <a:r>
+                  <a:rPr lang="de-DE"/>
+                  <a:t>Efficiency</a:t>
+                </a:r>
+              </a:p>
+            </c:rich>
+          </c:tx>
+          <c:layout/>
+          <c:overlay val="0"/>
+          <c:spPr>
+            <a:noFill/>
+            <a:ln>
+              <a:noFill/>
+            </a:ln>
+            <a:effectLst/>
+          </c:spPr>
+          <c:txPr>
+            <a:bodyPr rot="-5400000" spcFirstLastPara="1" vertOverflow="ellipsis" vert="horz" wrap="square" anchor="ctr" anchorCtr="1"/>
+            <a:lstStyle/>
+            <a:p>
+              <a:pPr>
+                <a:defRPr sz="1000" b="0" i="0" u="none" strike="noStrike" kern="1200" baseline="0">
+                  <a:solidFill>
+                    <a:schemeClr val="tx1">
+                      <a:lumMod val="65000"/>
+                      <a:lumOff val="35000"/>
+                    </a:schemeClr>
+                  </a:solidFill>
+                  <a:latin typeface="+mn-lt"/>
+                  <a:ea typeface="+mn-ea"/>
+                  <a:cs typeface="+mn-cs"/>
+                </a:defRPr>
+              </a:pPr>
+              <a:endParaRPr lang="de-DE"/>
+            </a:p>
+          </c:txPr>
+        </c:title>
+        <c:numFmt formatCode="General" sourceLinked="1"/>
+        <c:majorTickMark val="none"/>
+        <c:minorTickMark val="none"/>
+        <c:tickLblPos val="nextTo"/>
+        <c:spPr>
+          <a:noFill/>
+          <a:ln w="9525" cap="flat" cmpd="sng" algn="ctr">
+            <a:solidFill>
+              <a:schemeClr val="tx1">
+                <a:lumMod val="25000"/>
+                <a:lumOff val="75000"/>
+              </a:schemeClr>
+            </a:solidFill>
+            <a:round/>
+          </a:ln>
+          <a:effectLst/>
+        </c:spPr>
+        <c:txPr>
+          <a:bodyPr rot="-60000000" spcFirstLastPara="1" vertOverflow="ellipsis" vert="horz" wrap="square" anchor="ctr" anchorCtr="1"/>
+          <a:lstStyle/>
+          <a:p>
+            <a:pPr>
+              <a:defRPr sz="1600" b="0" i="0" u="none" strike="noStrike" kern="1200" baseline="0">
+                <a:solidFill>
+                  <a:schemeClr val="tx1">
+                    <a:lumMod val="65000"/>
+                    <a:lumOff val="35000"/>
+                  </a:schemeClr>
+                </a:solidFill>
+                <a:latin typeface="+mn-lt"/>
+                <a:ea typeface="+mn-ea"/>
+                <a:cs typeface="+mn-cs"/>
+              </a:defRPr>
+            </a:pPr>
+            <a:endParaRPr lang="de-DE"/>
+          </a:p>
+        </c:txPr>
+        <c:crossAx val="409823384"/>
+        <c:crosses val="autoZero"/>
+        <c:crossBetween val="midCat"/>
+      </c:valAx>
+      <c:spPr>
+        <a:noFill/>
+        <a:ln>
+          <a:noFill/>
+        </a:ln>
+        <a:effectLst/>
+      </c:spPr>
+    </c:plotArea>
+    <c:legend>
+      <c:legendPos val="r"/>
+      <c:layout/>
+      <c:overlay val="0"/>
+      <c:spPr>
+        <a:noFill/>
+        <a:ln>
+          <a:noFill/>
+        </a:ln>
+        <a:effectLst/>
+      </c:spPr>
+      <c:txPr>
+        <a:bodyPr rot="0" spcFirstLastPara="1" vertOverflow="ellipsis" vert="horz" wrap="square" anchor="ctr" anchorCtr="1"/>
+        <a:lstStyle/>
+        <a:p>
+          <a:pPr>
+            <a:defRPr sz="2000" b="0" i="0" u="none" strike="noStrike" kern="1200" baseline="0">
+              <a:solidFill>
+                <a:schemeClr val="tx1">
+                  <a:lumMod val="65000"/>
+                  <a:lumOff val="35000"/>
+                </a:schemeClr>
+              </a:solidFill>
+              <a:latin typeface="+mn-lt"/>
+              <a:ea typeface="+mn-ea"/>
+              <a:cs typeface="+mn-cs"/>
+            </a:defRPr>
+          </a:pPr>
+          <a:endParaRPr lang="de-DE"/>
+        </a:p>
+      </c:txPr>
+    </c:legend>
+    <c:plotVisOnly val="1"/>
+    <c:dispBlanksAs val="gap"/>
+    <c:showDLblsOverMax val="0"/>
+  </c:chart>
+  <c:spPr>
+    <a:noFill/>
+    <a:ln>
+      <a:noFill/>
+    </a:ln>
+    <a:effectLst/>
+  </c:spPr>
+  <c:txPr>
+    <a:bodyPr/>
+    <a:lstStyle/>
+    <a:p>
+      <a:pPr>
+        <a:defRPr/>
+      </a:pPr>
+      <a:endParaRPr lang="de-DE"/>
+    </a:p>
+  </c:txPr>
+  <c:externalData r:id="rId3">
+    <c:autoUpdate val="0"/>
+  </c:externalData>
+</c:chartSpace>
+</file>
+
+<file path=ppt/charts/colors1.xml><?xml version="1.0" encoding="utf-8"?>
+<cs:colorStyle xmlns:cs="http://schemas.microsoft.com/office/drawing/2012/chartStyle" xmlns:a="http://schemas.openxmlformats.org/drawingml/2006/main" meth="cycle" id="10">
+  <a:schemeClr val="accent1"/>
+  <a:schemeClr val="accent2"/>
+  <a:schemeClr val="accent3"/>
+  <a:schemeClr val="accent4"/>
+  <a:schemeClr val="accent5"/>
+  <a:schemeClr val="accent6"/>
+  <cs:variation/>
+  <cs:variation>
+    <a:lumMod val="60000"/>
+  </cs:variation>
+  <cs:variation>
+    <a:lumMod val="80000"/>
+    <a:lumOff val="20000"/>
+  </cs:variation>
+  <cs:variation>
+    <a:lumMod val="80000"/>
+  </cs:variation>
+  <cs:variation>
+    <a:lumMod val="60000"/>
+    <a:lumOff val="40000"/>
+  </cs:variation>
+  <cs:variation>
+    <a:lumMod val="50000"/>
+  </cs:variation>
+  <cs:variation>
+    <a:lumMod val="70000"/>
+    <a:lumOff val="30000"/>
+  </cs:variation>
+  <cs:variation>
+    <a:lumMod val="70000"/>
+  </cs:variation>
+  <cs:variation>
+    <a:lumMod val="50000"/>
+    <a:lumOff val="50000"/>
+  </cs:variation>
+</cs:colorStyle>
+</file>
+
+<file path=ppt/charts/colors2.xml><?xml version="1.0" encoding="utf-8"?>
+<cs:colorStyle xmlns:cs="http://schemas.microsoft.com/office/drawing/2012/chartStyle" xmlns:a="http://schemas.openxmlformats.org/drawingml/2006/main" meth="cycle" id="10">
+  <a:schemeClr val="accent1"/>
+  <a:schemeClr val="accent2"/>
+  <a:schemeClr val="accent3"/>
+  <a:schemeClr val="accent4"/>
+  <a:schemeClr val="accent5"/>
+  <a:schemeClr val="accent6"/>
+  <cs:variation/>
+  <cs:variation>
+    <a:lumMod val="60000"/>
+  </cs:variation>
+  <cs:variation>
+    <a:lumMod val="80000"/>
+    <a:lumOff val="20000"/>
+  </cs:variation>
+  <cs:variation>
+    <a:lumMod val="80000"/>
+  </cs:variation>
+  <cs:variation>
+    <a:lumMod val="60000"/>
+    <a:lumOff val="40000"/>
+  </cs:variation>
+  <cs:variation>
+    <a:lumMod val="50000"/>
+  </cs:variation>
+  <cs:variation>
+    <a:lumMod val="70000"/>
+    <a:lumOff val="30000"/>
+  </cs:variation>
+  <cs:variation>
+    <a:lumMod val="70000"/>
+  </cs:variation>
+  <cs:variation>
+    <a:lumMod val="50000"/>
+    <a:lumOff val="50000"/>
+  </cs:variation>
+</cs:colorStyle>
+</file>
+
+<file path=ppt/charts/style1.xml><?xml version="1.0" encoding="utf-8"?>
+<cs:chartStyle xmlns:cs="http://schemas.microsoft.com/office/drawing/2012/chartStyle" xmlns:a="http://schemas.openxmlformats.org/drawingml/2006/main" id="240">
+  <cs:axisTitle>
+    <cs:lnRef idx="0"/>
+    <cs:fillRef idx="0"/>
+    <cs:effectRef idx="0"/>
+    <cs:fontRef idx="minor">
+      <a:schemeClr val="tx1">
+        <a:lumMod val="65000"/>
+        <a:lumOff val="35000"/>
+      </a:schemeClr>
+    </cs:fontRef>
+    <cs:defRPr sz="1000" kern="1200"/>
+  </cs:axisTitle>
+  <cs:categoryAxis>
+    <cs:lnRef idx="0"/>
+    <cs:fillRef idx="0"/>
+    <cs:effectRef idx="0"/>
+    <cs:fontRef idx="minor">
+      <a:schemeClr val="tx1">
+        <a:lumMod val="65000"/>
+        <a:lumOff val="35000"/>
+      </a:schemeClr>
+    </cs:fontRef>
+    <cs:spPr>
+      <a:ln w="9525" cap="flat" cmpd="sng" algn="ctr">
+        <a:solidFill>
+          <a:schemeClr val="tx1">
+            <a:lumMod val="25000"/>
+            <a:lumOff val="75000"/>
+          </a:schemeClr>
+        </a:solidFill>
+        <a:round/>
+      </a:ln>
+    </cs:spPr>
+    <cs:defRPr sz="900" kern="1200"/>
+  </cs:categoryAxis>
+  <cs:chartArea mods="allowNoFillOverride allowNoLineOverride">
+    <cs:lnRef idx="0"/>
+    <cs:fillRef idx="0"/>
+    <cs:effectRef idx="0"/>
+    <cs:fontRef idx="minor">
+      <a:schemeClr val="tx1"/>
+    </cs:fontRef>
+    <cs:spPr>
+      <a:solidFill>
+        <a:schemeClr val="bg1"/>
+      </a:solidFill>
+      <a:ln w="9525" cap="flat" cmpd="sng" algn="ctr">
+        <a:solidFill>
+          <a:schemeClr val="tx1">
+            <a:lumMod val="15000"/>
+            <a:lumOff val="85000"/>
+          </a:schemeClr>
+        </a:solidFill>
+        <a:round/>
+      </a:ln>
+    </cs:spPr>
+    <cs:defRPr sz="1000" kern="1200"/>
+  </cs:chartArea>
+  <cs:dataLabel>
+    <cs:lnRef idx="0"/>
+    <cs:fillRef idx="0"/>
+    <cs:effectRef idx="0"/>
+    <cs:fontRef idx="minor">
+      <a:schemeClr val="tx1">
+        <a:lumMod val="75000"/>
+        <a:lumOff val="25000"/>
+      </a:schemeClr>
+    </cs:fontRef>
+    <cs:defRPr sz="900" kern="1200"/>
+  </cs:dataLabel>
+  <cs:dataLabelCallout>
+    <cs:lnRef idx="0"/>
+    <cs:fillRef idx="0"/>
+    <cs:effectRef idx="0"/>
+    <cs:fontRef idx="minor">
+      <a:schemeClr val="dk1">
+        <a:lumMod val="65000"/>
+        <a:lumOff val="35000"/>
+      </a:schemeClr>
+    </cs:fontRef>
+    <cs:spPr>
+      <a:solidFill>
+        <a:schemeClr val="lt1"/>
+      </a:solidFill>
+      <a:ln>
+        <a:solidFill>
+          <a:schemeClr val="dk1">
+            <a:lumMod val="25000"/>
+            <a:lumOff val="75000"/>
+          </a:schemeClr>
+        </a:solidFill>
+      </a:ln>
+    </cs:spPr>
+    <cs:defRPr sz="900" kern="1200"/>
+    <cs:bodyPr rot="0" spcFirstLastPara="1" vertOverflow="clip" horzOverflow="clip" vert="horz" wrap="square" lIns="36576" tIns="18288" rIns="36576" bIns="18288" anchor="ctr" anchorCtr="1">
+      <a:spAutoFit/>
+    </cs:bodyPr>
+  </cs:dataLabelCallout>
+  <cs:dataPoint>
+    <cs:lnRef idx="0"/>
+    <cs:fillRef idx="1">
+      <cs:styleClr val="auto"/>
+    </cs:fillRef>
+    <cs:effectRef idx="0"/>
+    <cs:fontRef idx="minor">
+      <a:schemeClr val="tx1"/>
+    </cs:fontRef>
+  </cs:dataPoint>
+  <cs:dataPoint3D>
+    <cs:lnRef idx="0"/>
+    <cs:fillRef idx="1">
+      <cs:styleClr val="auto"/>
+    </cs:fillRef>
+    <cs:effectRef idx="0"/>
+    <cs:fontRef idx="minor">
+      <a:schemeClr val="tx1"/>
+    </cs:fontRef>
+  </cs:dataPoint3D>
+  <cs:dataPointLine>
+    <cs:lnRef idx="0">
+      <cs:styleClr val="auto"/>
+    </cs:lnRef>
+    <cs:fillRef idx="1"/>
+    <cs:effectRef idx="0"/>
+    <cs:fontRef idx="minor">
+      <a:schemeClr val="tx1"/>
+    </cs:fontRef>
+    <cs:spPr>
+      <a:ln w="19050" cap="rnd">
+        <a:solidFill>
+          <a:schemeClr val="phClr"/>
+        </a:solidFill>
+        <a:round/>
+      </a:ln>
+    </cs:spPr>
+  </cs:dataPointLine>
+  <cs:dataPointMarker>
+    <cs:lnRef idx="0">
+      <cs:styleClr val="auto"/>
+    </cs:lnRef>
+    <cs:fillRef idx="1">
+      <cs:styleClr val="auto"/>
+    </cs:fillRef>
+    <cs:effectRef idx="0"/>
+    <cs:fontRef idx="minor">
+      <a:schemeClr val="tx1"/>
+    </cs:fontRef>
+    <cs:spPr>
+      <a:ln w="9525">
+        <a:solidFill>
+          <a:schemeClr val="phClr"/>
+        </a:solidFill>
+      </a:ln>
+    </cs:spPr>
+  </cs:dataPointMarker>
+  <cs:dataPointMarkerLayout symbol="circle" size="5"/>
+  <cs:dataPointWireframe>
+    <cs:lnRef idx="0">
+      <cs:styleClr val="auto"/>
+    </cs:lnRef>
+    <cs:fillRef idx="0"/>
+    <cs:effectRef idx="0"/>
+    <cs:fontRef idx="minor">
+      <a:schemeClr val="dk1"/>
+    </cs:fontRef>
+    <cs:spPr>
+      <a:ln w="9525" cap="rnd">
+        <a:solidFill>
+          <a:schemeClr val="phClr"/>
+        </a:solidFill>
+        <a:round/>
+      </a:ln>
+    </cs:spPr>
+  </cs:dataPointWireframe>
+  <cs:dataTable>
+    <cs:lnRef idx="0"/>
+    <cs:fillRef idx="0"/>
+    <cs:effectRef idx="0"/>
+    <cs:fontRef idx="minor">
+      <a:schemeClr val="tx1">
+        <a:lumMod val="65000"/>
+        <a:lumOff val="35000"/>
+      </a:schemeClr>
+    </cs:fontRef>
+    <cs:spPr>
+      <a:noFill/>
+      <a:ln w="9525" cap="flat" cmpd="sng" algn="ctr">
+        <a:solidFill>
+          <a:schemeClr val="tx1">
+            <a:lumMod val="15000"/>
+            <a:lumOff val="85000"/>
+          </a:schemeClr>
+        </a:solidFill>
+        <a:round/>
+      </a:ln>
+    </cs:spPr>
+    <cs:defRPr sz="900" kern="1200"/>
+  </cs:dataTable>
+  <cs:downBar>
+    <cs:lnRef idx="0"/>
+    <cs:fillRef idx="0"/>
+    <cs:effectRef idx="0"/>
+    <cs:fontRef idx="minor">
+      <a:schemeClr val="tx1"/>
+    </cs:fontRef>
+    <cs:spPr>
+      <a:solidFill>
+        <a:schemeClr val="dk1">
+          <a:lumMod val="75000"/>
+          <a:lumOff val="25000"/>
+        </a:schemeClr>
+      </a:solidFill>
+      <a:ln w="9525" cap="flat" cmpd="sng" algn="ctr">
+        <a:solidFill>
+          <a:schemeClr val="tx1">
+            <a:lumMod val="65000"/>
+            <a:lumOff val="35000"/>
+          </a:schemeClr>
+        </a:solidFill>
+        <a:round/>
+      </a:ln>
+    </cs:spPr>
+  </cs:downBar>
+  <cs:dropLine>
+    <cs:lnRef idx="0"/>
+    <cs:fillRef idx="0"/>
+    <cs:effectRef idx="0"/>
+    <cs:fontRef idx="minor">
+      <a:schemeClr val="tx1"/>
+    </cs:fontRef>
+    <cs:spPr>
+      <a:ln w="9525" cap="flat" cmpd="sng" algn="ctr">
+        <a:solidFill>
+          <a:schemeClr val="tx1">
+            <a:lumMod val="35000"/>
+            <a:lumOff val="65000"/>
+          </a:schemeClr>
+        </a:solidFill>
+        <a:round/>
+      </a:ln>
+    </cs:spPr>
+  </cs:dropLine>
+  <cs:errorBar>
+    <cs:lnRef idx="0"/>
+    <cs:fillRef idx="0"/>
+    <cs:effectRef idx="0"/>
+    <cs:fontRef idx="minor">
+      <a:schemeClr val="tx1"/>
+    </cs:fontRef>
+    <cs:spPr>
+      <a:ln w="9525" cap="flat" cmpd="sng" algn="ctr">
+        <a:solidFill>
+          <a:schemeClr val="tx1">
+            <a:lumMod val="65000"/>
+            <a:lumOff val="35000"/>
+          </a:schemeClr>
+        </a:solidFill>
+        <a:round/>
+      </a:ln>
+    </cs:spPr>
+  </cs:errorBar>
+  <cs:floor>
+    <cs:lnRef idx="0"/>
+    <cs:fillRef idx="0"/>
+    <cs:effectRef idx="0"/>
+    <cs:fontRef idx="minor">
+      <a:schemeClr val="tx1"/>
+    </cs:fontRef>
+    <cs:spPr>
+      <a:noFill/>
+      <a:ln>
+        <a:noFill/>
+      </a:ln>
+    </cs:spPr>
+  </cs:floor>
+  <cs:gridlineMajor>
+    <cs:lnRef idx="0"/>
+    <cs:fillRef idx="0"/>
+    <cs:effectRef idx="0"/>
+    <cs:fontRef idx="minor">
+      <a:schemeClr val="tx1"/>
+    </cs:fontRef>
+    <cs:spPr>
+      <a:ln w="9525" cap="flat" cmpd="sng" algn="ctr">
+        <a:solidFill>
+          <a:schemeClr val="tx1">
+            <a:lumMod val="15000"/>
+            <a:lumOff val="85000"/>
+          </a:schemeClr>
+        </a:solidFill>
+        <a:round/>
+      </a:ln>
+    </cs:spPr>
+  </cs:gridlineMajor>
+  <cs:gridlineMinor>
+    <cs:lnRef idx="0"/>
+    <cs:fillRef idx="0"/>
+    <cs:effectRef idx="0"/>
+    <cs:fontRef idx="minor">
+      <a:schemeClr val="tx1"/>
+    </cs:fontRef>
+    <cs:spPr>
+      <a:ln w="9525" cap="flat" cmpd="sng" algn="ctr">
+        <a:solidFill>
+          <a:schemeClr val="tx1">
+            <a:lumMod val="5000"/>
+            <a:lumOff val="95000"/>
+          </a:schemeClr>
+        </a:solidFill>
+        <a:round/>
+      </a:ln>
+    </cs:spPr>
+  </cs:gridlineMinor>
+  <cs:hiLoLine>
+    <cs:lnRef idx="0"/>
+    <cs:fillRef idx="0"/>
+    <cs:effectRef idx="0"/>
+    <cs:fontRef idx="minor">
+      <a:schemeClr val="tx1"/>
+    </cs:fontRef>
+    <cs:spPr>
+      <a:ln w="9525" cap="flat" cmpd="sng" algn="ctr">
+        <a:solidFill>
+          <a:schemeClr val="tx1">
+            <a:lumMod val="50000"/>
+            <a:lumOff val="50000"/>
+          </a:schemeClr>
+        </a:solidFill>
+        <a:round/>
+      </a:ln>
+    </cs:spPr>
+  </cs:hiLoLine>
+  <cs:leaderLine>
+    <cs:lnRef idx="0"/>
+    <cs:fillRef idx="0"/>
+    <cs:effectRef idx="0"/>
+    <cs:fontRef idx="minor">
+      <a:schemeClr val="tx1"/>
+    </cs:fontRef>
+    <cs:spPr>
+      <a:ln w="9525" cap="flat" cmpd="sng" algn="ctr">
+        <a:solidFill>
+          <a:schemeClr val="tx1">
+            <a:lumMod val="35000"/>
+            <a:lumOff val="65000"/>
+          </a:schemeClr>
+        </a:solidFill>
+        <a:round/>
+      </a:ln>
+    </cs:spPr>
+  </cs:leaderLine>
+  <cs:legend>
+    <cs:lnRef idx="0"/>
+    <cs:fillRef idx="0"/>
+    <cs:effectRef idx="0"/>
+    <cs:fontRef idx="minor">
+      <a:schemeClr val="tx1">
+        <a:lumMod val="65000"/>
+        <a:lumOff val="35000"/>
+      </a:schemeClr>
+    </cs:fontRef>
+    <cs:defRPr sz="900" kern="1200"/>
+  </cs:legend>
+  <cs:plotArea mods="allowNoFillOverride allowNoLineOverride">
+    <cs:lnRef idx="0"/>
+    <cs:fillRef idx="0"/>
+    <cs:effectRef idx="0"/>
+    <cs:fontRef idx="minor">
+      <a:schemeClr val="tx1"/>
+    </cs:fontRef>
+  </cs:plotArea>
+  <cs:plotArea3D mods="allowNoFillOverride allowNoLineOverride">
+    <cs:lnRef idx="0"/>
+    <cs:fillRef idx="0"/>
+    <cs:effectRef idx="0"/>
+    <cs:fontRef idx="minor">
+      <a:schemeClr val="tx1"/>
+    </cs:fontRef>
+  </cs:plotArea3D>
+  <cs:seriesAxis>
+    <cs:lnRef idx="0"/>
+    <cs:fillRef idx="0"/>
+    <cs:effectRef idx="0"/>
+    <cs:fontRef idx="minor">
+      <a:schemeClr val="tx1">
+        <a:lumMod val="65000"/>
+        <a:lumOff val="35000"/>
+      </a:schemeClr>
+    </cs:fontRef>
+    <cs:defRPr sz="900" kern="1200"/>
+  </cs:seriesAxis>
+  <cs:seriesLine>
+    <cs:lnRef idx="0"/>
+    <cs:fillRef idx="0"/>
+    <cs:effectRef idx="0"/>
+    <cs:fontRef idx="minor">
+      <a:schemeClr val="tx1"/>
+    </cs:fontRef>
+    <cs:spPr>
+      <a:ln w="9525" cap="flat" cmpd="sng" algn="ctr">
+        <a:solidFill>
+          <a:schemeClr val="tx1">
+            <a:lumMod val="35000"/>
+            <a:lumOff val="65000"/>
+          </a:schemeClr>
+        </a:solidFill>
+        <a:round/>
+      </a:ln>
+    </cs:spPr>
+  </cs:seriesLine>
+  <cs:title>
+    <cs:lnRef idx="0"/>
+    <cs:fillRef idx="0"/>
+    <cs:effectRef idx="0"/>
+    <cs:fontRef idx="minor">
+      <a:schemeClr val="tx1">
+        <a:lumMod val="65000"/>
+        <a:lumOff val="35000"/>
+      </a:schemeClr>
+    </cs:fontRef>
+    <cs:defRPr sz="1400" b="0" kern="1200" spc="0" baseline="0"/>
+  </cs:title>
+  <cs:trendline>
+    <cs:lnRef idx="0">
+      <cs:styleClr val="auto"/>
+    </cs:lnRef>
+    <cs:fillRef idx="0"/>
+    <cs:effectRef idx="0"/>
+    <cs:fontRef idx="minor">
+      <a:schemeClr val="tx1"/>
+    </cs:fontRef>
+    <cs:spPr>
+      <a:ln w="19050" cap="rnd">
+        <a:solidFill>
+          <a:schemeClr val="phClr"/>
+        </a:solidFill>
+        <a:prstDash val="sysDot"/>
+      </a:ln>
+    </cs:spPr>
+  </cs:trendline>
+  <cs:trendlineLabel>
+    <cs:lnRef idx="0"/>
+    <cs:fillRef idx="0"/>
+    <cs:effectRef idx="0"/>
+    <cs:fontRef idx="minor">
+      <a:schemeClr val="tx1">
+        <a:lumMod val="65000"/>
+        <a:lumOff val="35000"/>
+      </a:schemeClr>
+    </cs:fontRef>
+    <cs:defRPr sz="900" kern="1200"/>
+  </cs:trendlineLabel>
+  <cs:upBar>
+    <cs:lnRef idx="0"/>
+    <cs:fillRef idx="0"/>
+    <cs:effectRef idx="0"/>
+    <cs:fontRef idx="minor">
+      <a:schemeClr val="tx1"/>
+    </cs:fontRef>
+    <cs:spPr>
+      <a:solidFill>
+        <a:schemeClr val="lt1"/>
+      </a:solidFill>
+      <a:ln w="9525" cap="flat" cmpd="sng" algn="ctr">
+        <a:solidFill>
+          <a:schemeClr val="tx1">
+            <a:lumMod val="65000"/>
+            <a:lumOff val="35000"/>
+          </a:schemeClr>
+        </a:solidFill>
+        <a:round/>
+      </a:ln>
+    </cs:spPr>
+  </cs:upBar>
+  <cs:valueAxis>
+    <cs:lnRef idx="0"/>
+    <cs:fillRef idx="0"/>
+    <cs:effectRef idx="0"/>
+    <cs:fontRef idx="minor">
+      <a:schemeClr val="tx1">
+        <a:lumMod val="65000"/>
+        <a:lumOff val="35000"/>
+      </a:schemeClr>
+    </cs:fontRef>
+    <cs:spPr>
+      <a:ln w="9525" cap="flat" cmpd="sng" algn="ctr">
+        <a:solidFill>
+          <a:schemeClr val="tx1">
+            <a:lumMod val="25000"/>
+            <a:lumOff val="75000"/>
+          </a:schemeClr>
+        </a:solidFill>
+        <a:round/>
+      </a:ln>
+    </cs:spPr>
+    <cs:defRPr sz="900" kern="1200"/>
+  </cs:valueAxis>
+  <cs:wall>
+    <cs:lnRef idx="0"/>
+    <cs:fillRef idx="0"/>
+    <cs:effectRef idx="0"/>
+    <cs:fontRef idx="minor">
+      <a:schemeClr val="tx1"/>
+    </cs:fontRef>
+    <cs:spPr>
+      <a:noFill/>
+      <a:ln>
+        <a:noFill/>
+      </a:ln>
+    </cs:spPr>
+  </cs:wall>
+</cs:chartStyle>
+</file>
+
+<file path=ppt/charts/style2.xml><?xml version="1.0" encoding="utf-8"?>
+<cs:chartStyle xmlns:cs="http://schemas.microsoft.com/office/drawing/2012/chartStyle" xmlns:a="http://schemas.openxmlformats.org/drawingml/2006/main" id="240">
+  <cs:axisTitle>
+    <cs:lnRef idx="0"/>
+    <cs:fillRef idx="0"/>
+    <cs:effectRef idx="0"/>
+    <cs:fontRef idx="minor">
+      <a:schemeClr val="tx1">
+        <a:lumMod val="65000"/>
+        <a:lumOff val="35000"/>
+      </a:schemeClr>
+    </cs:fontRef>
+    <cs:defRPr sz="1000" kern="1200"/>
+  </cs:axisTitle>
+  <cs:categoryAxis>
+    <cs:lnRef idx="0"/>
+    <cs:fillRef idx="0"/>
+    <cs:effectRef idx="0"/>
+    <cs:fontRef idx="minor">
+      <a:schemeClr val="tx1">
+        <a:lumMod val="65000"/>
+        <a:lumOff val="35000"/>
+      </a:schemeClr>
+    </cs:fontRef>
+    <cs:spPr>
+      <a:ln w="9525" cap="flat" cmpd="sng" algn="ctr">
+        <a:solidFill>
+          <a:schemeClr val="tx1">
+            <a:lumMod val="25000"/>
+            <a:lumOff val="75000"/>
+          </a:schemeClr>
+        </a:solidFill>
+        <a:round/>
+      </a:ln>
+    </cs:spPr>
+    <cs:defRPr sz="900" kern="1200"/>
+  </cs:categoryAxis>
+  <cs:chartArea mods="allowNoFillOverride allowNoLineOverride">
+    <cs:lnRef idx="0"/>
+    <cs:fillRef idx="0"/>
+    <cs:effectRef idx="0"/>
+    <cs:fontRef idx="minor">
+      <a:schemeClr val="tx1"/>
+    </cs:fontRef>
+    <cs:spPr>
+      <a:solidFill>
+        <a:schemeClr val="bg1"/>
+      </a:solidFill>
+      <a:ln w="9525" cap="flat" cmpd="sng" algn="ctr">
+        <a:solidFill>
+          <a:schemeClr val="tx1">
+            <a:lumMod val="15000"/>
+            <a:lumOff val="85000"/>
+          </a:schemeClr>
+        </a:solidFill>
+        <a:round/>
+      </a:ln>
+    </cs:spPr>
+    <cs:defRPr sz="1000" kern="1200"/>
+  </cs:chartArea>
+  <cs:dataLabel>
+    <cs:lnRef idx="0"/>
+    <cs:fillRef idx="0"/>
+    <cs:effectRef idx="0"/>
+    <cs:fontRef idx="minor">
+      <a:schemeClr val="tx1">
+        <a:lumMod val="75000"/>
+        <a:lumOff val="25000"/>
+      </a:schemeClr>
+    </cs:fontRef>
+    <cs:defRPr sz="900" kern="1200"/>
+  </cs:dataLabel>
+  <cs:dataLabelCallout>
+    <cs:lnRef idx="0"/>
+    <cs:fillRef idx="0"/>
+    <cs:effectRef idx="0"/>
+    <cs:fontRef idx="minor">
+      <a:schemeClr val="dk1">
+        <a:lumMod val="65000"/>
+        <a:lumOff val="35000"/>
+      </a:schemeClr>
+    </cs:fontRef>
+    <cs:spPr>
+      <a:solidFill>
+        <a:schemeClr val="lt1"/>
+      </a:solidFill>
+      <a:ln>
+        <a:solidFill>
+          <a:schemeClr val="dk1">
+            <a:lumMod val="25000"/>
+            <a:lumOff val="75000"/>
+          </a:schemeClr>
+        </a:solidFill>
+      </a:ln>
+    </cs:spPr>
+    <cs:defRPr sz="900" kern="1200"/>
+    <cs:bodyPr rot="0" spcFirstLastPara="1" vertOverflow="clip" horzOverflow="clip" vert="horz" wrap="square" lIns="36576" tIns="18288" rIns="36576" bIns="18288" anchor="ctr" anchorCtr="1">
+      <a:spAutoFit/>
+    </cs:bodyPr>
+  </cs:dataLabelCallout>
+  <cs:dataPoint>
+    <cs:lnRef idx="0"/>
+    <cs:fillRef idx="1">
+      <cs:styleClr val="auto"/>
+    </cs:fillRef>
+    <cs:effectRef idx="0"/>
+    <cs:fontRef idx="minor">
+      <a:schemeClr val="tx1"/>
+    </cs:fontRef>
+  </cs:dataPoint>
+  <cs:dataPoint3D>
+    <cs:lnRef idx="0"/>
+    <cs:fillRef idx="1">
+      <cs:styleClr val="auto"/>
+    </cs:fillRef>
+    <cs:effectRef idx="0"/>
+    <cs:fontRef idx="minor">
+      <a:schemeClr val="tx1"/>
+    </cs:fontRef>
+  </cs:dataPoint3D>
+  <cs:dataPointLine>
+    <cs:lnRef idx="0">
+      <cs:styleClr val="auto"/>
+    </cs:lnRef>
+    <cs:fillRef idx="1"/>
+    <cs:effectRef idx="0"/>
+    <cs:fontRef idx="minor">
+      <a:schemeClr val="tx1"/>
+    </cs:fontRef>
+    <cs:spPr>
+      <a:ln w="19050" cap="rnd">
+        <a:solidFill>
+          <a:schemeClr val="phClr"/>
+        </a:solidFill>
+        <a:round/>
+      </a:ln>
+    </cs:spPr>
+  </cs:dataPointLine>
+  <cs:dataPointMarker>
+    <cs:lnRef idx="0">
+      <cs:styleClr val="auto"/>
+    </cs:lnRef>
+    <cs:fillRef idx="1">
+      <cs:styleClr val="auto"/>
+    </cs:fillRef>
+    <cs:effectRef idx="0"/>
+    <cs:fontRef idx="minor">
+      <a:schemeClr val="tx1"/>
+    </cs:fontRef>
+    <cs:spPr>
+      <a:ln w="9525">
+        <a:solidFill>
+          <a:schemeClr val="phClr"/>
+        </a:solidFill>
+      </a:ln>
+    </cs:spPr>
+  </cs:dataPointMarker>
+  <cs:dataPointMarkerLayout symbol="circle" size="5"/>
+  <cs:dataPointWireframe>
+    <cs:lnRef idx="0">
+      <cs:styleClr val="auto"/>
+    </cs:lnRef>
+    <cs:fillRef idx="0"/>
+    <cs:effectRef idx="0"/>
+    <cs:fontRef idx="minor">
+      <a:schemeClr val="dk1"/>
+    </cs:fontRef>
+    <cs:spPr>
+      <a:ln w="9525" cap="rnd">
+        <a:solidFill>
+          <a:schemeClr val="phClr"/>
+        </a:solidFill>
+        <a:round/>
+      </a:ln>
+    </cs:spPr>
+  </cs:dataPointWireframe>
+  <cs:dataTable>
+    <cs:lnRef idx="0"/>
+    <cs:fillRef idx="0"/>
+    <cs:effectRef idx="0"/>
+    <cs:fontRef idx="minor">
+      <a:schemeClr val="tx1">
+        <a:lumMod val="65000"/>
+        <a:lumOff val="35000"/>
+      </a:schemeClr>
+    </cs:fontRef>
+    <cs:spPr>
+      <a:noFill/>
+      <a:ln w="9525" cap="flat" cmpd="sng" algn="ctr">
+        <a:solidFill>
+          <a:schemeClr val="tx1">
+            <a:lumMod val="15000"/>
+            <a:lumOff val="85000"/>
+          </a:schemeClr>
+        </a:solidFill>
+        <a:round/>
+      </a:ln>
+    </cs:spPr>
+    <cs:defRPr sz="900" kern="1200"/>
+  </cs:dataTable>
+  <cs:downBar>
+    <cs:lnRef idx="0"/>
+    <cs:fillRef idx="0"/>
+    <cs:effectRef idx="0"/>
+    <cs:fontRef idx="minor">
+      <a:schemeClr val="tx1"/>
+    </cs:fontRef>
+    <cs:spPr>
+      <a:solidFill>
+        <a:schemeClr val="dk1">
+          <a:lumMod val="75000"/>
+          <a:lumOff val="25000"/>
+        </a:schemeClr>
+      </a:solidFill>
+      <a:ln w="9525" cap="flat" cmpd="sng" algn="ctr">
+        <a:solidFill>
+          <a:schemeClr val="tx1">
+            <a:lumMod val="65000"/>
+            <a:lumOff val="35000"/>
+          </a:schemeClr>
+        </a:solidFill>
+        <a:round/>
+      </a:ln>
+    </cs:spPr>
+  </cs:downBar>
+  <cs:dropLine>
+    <cs:lnRef idx="0"/>
+    <cs:fillRef idx="0"/>
+    <cs:effectRef idx="0"/>
+    <cs:fontRef idx="minor">
+      <a:schemeClr val="tx1"/>
+    </cs:fontRef>
+    <cs:spPr>
+      <a:ln w="9525" cap="flat" cmpd="sng" algn="ctr">
+        <a:solidFill>
+          <a:schemeClr val="tx1">
+            <a:lumMod val="35000"/>
+            <a:lumOff val="65000"/>
+          </a:schemeClr>
+        </a:solidFill>
+        <a:round/>
+      </a:ln>
+    </cs:spPr>
+  </cs:dropLine>
+  <cs:errorBar>
+    <cs:lnRef idx="0"/>
+    <cs:fillRef idx="0"/>
+    <cs:effectRef idx="0"/>
+    <cs:fontRef idx="minor">
+      <a:schemeClr val="tx1"/>
+    </cs:fontRef>
+    <cs:spPr>
+      <a:ln w="9525" cap="flat" cmpd="sng" algn="ctr">
+        <a:solidFill>
+          <a:schemeClr val="tx1">
+            <a:lumMod val="65000"/>
+            <a:lumOff val="35000"/>
+          </a:schemeClr>
+        </a:solidFill>
+        <a:round/>
+      </a:ln>
+    </cs:spPr>
+  </cs:errorBar>
+  <cs:floor>
+    <cs:lnRef idx="0"/>
+    <cs:fillRef idx="0"/>
+    <cs:effectRef idx="0"/>
+    <cs:fontRef idx="minor">
+      <a:schemeClr val="tx1"/>
+    </cs:fontRef>
+    <cs:spPr>
+      <a:noFill/>
+      <a:ln>
+        <a:noFill/>
+      </a:ln>
+    </cs:spPr>
+  </cs:floor>
+  <cs:gridlineMajor>
+    <cs:lnRef idx="0"/>
+    <cs:fillRef idx="0"/>
+    <cs:effectRef idx="0"/>
+    <cs:fontRef idx="minor">
+      <a:schemeClr val="tx1"/>
+    </cs:fontRef>
+    <cs:spPr>
+      <a:ln w="9525" cap="flat" cmpd="sng" algn="ctr">
+        <a:solidFill>
+          <a:schemeClr val="tx1">
+            <a:lumMod val="15000"/>
+            <a:lumOff val="85000"/>
+          </a:schemeClr>
+        </a:solidFill>
+        <a:round/>
+      </a:ln>
+    </cs:spPr>
+  </cs:gridlineMajor>
+  <cs:gridlineMinor>
+    <cs:lnRef idx="0"/>
+    <cs:fillRef idx="0"/>
+    <cs:effectRef idx="0"/>
+    <cs:fontRef idx="minor">
+      <a:schemeClr val="tx1"/>
+    </cs:fontRef>
+    <cs:spPr>
+      <a:ln w="9525" cap="flat" cmpd="sng" algn="ctr">
+        <a:solidFill>
+          <a:schemeClr val="tx1">
+            <a:lumMod val="5000"/>
+            <a:lumOff val="95000"/>
+          </a:schemeClr>
+        </a:solidFill>
+        <a:round/>
+      </a:ln>
+    </cs:spPr>
+  </cs:gridlineMinor>
+  <cs:hiLoLine>
+    <cs:lnRef idx="0"/>
+    <cs:fillRef idx="0"/>
+    <cs:effectRef idx="0"/>
+    <cs:fontRef idx="minor">
+      <a:schemeClr val="tx1"/>
+    </cs:fontRef>
+    <cs:spPr>
+      <a:ln w="9525" cap="flat" cmpd="sng" algn="ctr">
+        <a:solidFill>
+          <a:schemeClr val="tx1">
+            <a:lumMod val="50000"/>
+            <a:lumOff val="50000"/>
+          </a:schemeClr>
+        </a:solidFill>
+        <a:round/>
+      </a:ln>
+    </cs:spPr>
+  </cs:hiLoLine>
+  <cs:leaderLine>
+    <cs:lnRef idx="0"/>
+    <cs:fillRef idx="0"/>
+    <cs:effectRef idx="0"/>
+    <cs:fontRef idx="minor">
+      <a:schemeClr val="tx1"/>
+    </cs:fontRef>
+    <cs:spPr>
+      <a:ln w="9525" cap="flat" cmpd="sng" algn="ctr">
+        <a:solidFill>
+          <a:schemeClr val="tx1">
+            <a:lumMod val="35000"/>
+            <a:lumOff val="65000"/>
+          </a:schemeClr>
+        </a:solidFill>
+        <a:round/>
+      </a:ln>
+    </cs:spPr>
+  </cs:leaderLine>
+  <cs:legend>
+    <cs:lnRef idx="0"/>
+    <cs:fillRef idx="0"/>
+    <cs:effectRef idx="0"/>
+    <cs:fontRef idx="minor">
+      <a:schemeClr val="tx1">
+        <a:lumMod val="65000"/>
+        <a:lumOff val="35000"/>
+      </a:schemeClr>
+    </cs:fontRef>
+    <cs:defRPr sz="900" kern="1200"/>
+  </cs:legend>
+  <cs:plotArea mods="allowNoFillOverride allowNoLineOverride">
+    <cs:lnRef idx="0"/>
+    <cs:fillRef idx="0"/>
+    <cs:effectRef idx="0"/>
+    <cs:fontRef idx="minor">
+      <a:schemeClr val="tx1"/>
+    </cs:fontRef>
+  </cs:plotArea>
+  <cs:plotArea3D mods="allowNoFillOverride allowNoLineOverride">
+    <cs:lnRef idx="0"/>
+    <cs:fillRef idx="0"/>
+    <cs:effectRef idx="0"/>
+    <cs:fontRef idx="minor">
+      <a:schemeClr val="tx1"/>
+    </cs:fontRef>
+  </cs:plotArea3D>
+  <cs:seriesAxis>
+    <cs:lnRef idx="0"/>
+    <cs:fillRef idx="0"/>
+    <cs:effectRef idx="0"/>
+    <cs:fontRef idx="minor">
+      <a:schemeClr val="tx1">
+        <a:lumMod val="65000"/>
+        <a:lumOff val="35000"/>
+      </a:schemeClr>
+    </cs:fontRef>
+    <cs:defRPr sz="900" kern="1200"/>
+  </cs:seriesAxis>
+  <cs:seriesLine>
+    <cs:lnRef idx="0"/>
+    <cs:fillRef idx="0"/>
+    <cs:effectRef idx="0"/>
+    <cs:fontRef idx="minor">
+      <a:schemeClr val="tx1"/>
+    </cs:fontRef>
+    <cs:spPr>
+      <a:ln w="9525" cap="flat" cmpd="sng" algn="ctr">
+        <a:solidFill>
+          <a:schemeClr val="tx1">
+            <a:lumMod val="35000"/>
+            <a:lumOff val="65000"/>
+          </a:schemeClr>
+        </a:solidFill>
+        <a:round/>
+      </a:ln>
+    </cs:spPr>
+  </cs:seriesLine>
+  <cs:title>
+    <cs:lnRef idx="0"/>
+    <cs:fillRef idx="0"/>
+    <cs:effectRef idx="0"/>
+    <cs:fontRef idx="minor">
+      <a:schemeClr val="tx1">
+        <a:lumMod val="65000"/>
+        <a:lumOff val="35000"/>
+      </a:schemeClr>
+    </cs:fontRef>
+    <cs:defRPr sz="1400" b="0" kern="1200" spc="0" baseline="0"/>
+  </cs:title>
+  <cs:trendline>
+    <cs:lnRef idx="0">
+      <cs:styleClr val="auto"/>
+    </cs:lnRef>
+    <cs:fillRef idx="0"/>
+    <cs:effectRef idx="0"/>
+    <cs:fontRef idx="minor">
+      <a:schemeClr val="tx1"/>
+    </cs:fontRef>
+    <cs:spPr>
+      <a:ln w="19050" cap="rnd">
+        <a:solidFill>
+          <a:schemeClr val="phClr"/>
+        </a:solidFill>
+        <a:prstDash val="sysDot"/>
+      </a:ln>
+    </cs:spPr>
+  </cs:trendline>
+  <cs:trendlineLabel>
+    <cs:lnRef idx="0"/>
+    <cs:fillRef idx="0"/>
+    <cs:effectRef idx="0"/>
+    <cs:fontRef idx="minor">
+      <a:schemeClr val="tx1">
+        <a:lumMod val="65000"/>
+        <a:lumOff val="35000"/>
+      </a:schemeClr>
+    </cs:fontRef>
+    <cs:defRPr sz="900" kern="1200"/>
+  </cs:trendlineLabel>
+  <cs:upBar>
+    <cs:lnRef idx="0"/>
+    <cs:fillRef idx="0"/>
+    <cs:effectRef idx="0"/>
+    <cs:fontRef idx="minor">
+      <a:schemeClr val="tx1"/>
+    </cs:fontRef>
+    <cs:spPr>
+      <a:solidFill>
+        <a:schemeClr val="lt1"/>
+      </a:solidFill>
+      <a:ln w="9525" cap="flat" cmpd="sng" algn="ctr">
+        <a:solidFill>
+          <a:schemeClr val="tx1">
+            <a:lumMod val="65000"/>
+            <a:lumOff val="35000"/>
+          </a:schemeClr>
+        </a:solidFill>
+        <a:round/>
+      </a:ln>
+    </cs:spPr>
+  </cs:upBar>
+  <cs:valueAxis>
+    <cs:lnRef idx="0"/>
+    <cs:fillRef idx="0"/>
+    <cs:effectRef idx="0"/>
+    <cs:fontRef idx="minor">
+      <a:schemeClr val="tx1">
+        <a:lumMod val="65000"/>
+        <a:lumOff val="35000"/>
+      </a:schemeClr>
+    </cs:fontRef>
+    <cs:spPr>
+      <a:ln w="9525" cap="flat" cmpd="sng" algn="ctr">
+        <a:solidFill>
+          <a:schemeClr val="tx1">
+            <a:lumMod val="25000"/>
+            <a:lumOff val="75000"/>
+          </a:schemeClr>
+        </a:solidFill>
+        <a:round/>
+      </a:ln>
+    </cs:spPr>
+    <cs:defRPr sz="900" kern="1200"/>
+  </cs:valueAxis>
+  <cs:wall>
+    <cs:lnRef idx="0"/>
+    <cs:fillRef idx="0"/>
+    <cs:effectRef idx="0"/>
+    <cs:fontRef idx="minor">
+      <a:schemeClr val="tx1"/>
+    </cs:fontRef>
+    <cs:spPr>
+      <a:noFill/>
+      <a:ln>
+        <a:noFill/>
+      </a:ln>
+    </cs:spPr>
+  </cs:wall>
+</cs:chartStyle>
 </file>
 
 <file path=ppt/slideLayouts/slideLayout1.xml><?xml version="1.0" encoding="utf-8"?>
@@ -252,7 +2804,7 @@
           <a:p>
             <a:fld id="{31E373B5-F1A7-43C9-8F7F-CAE3B87B0A46}" type="datetimeFigureOut">
               <a:rPr lang="de-DE" smtClean="0"/>
-              <a:t>07.05.2019</a:t>
+              <a:t>09.05.2019</a:t>
             </a:fld>
             <a:endParaRPr lang="de-DE"/>
           </a:p>
@@ -422,7 +2974,7 @@
           <a:p>
             <a:fld id="{31E373B5-F1A7-43C9-8F7F-CAE3B87B0A46}" type="datetimeFigureOut">
               <a:rPr lang="de-DE" smtClean="0"/>
-              <a:t>07.05.2019</a:t>
+              <a:t>09.05.2019</a:t>
             </a:fld>
             <a:endParaRPr lang="de-DE"/>
           </a:p>
@@ -602,7 +3154,7 @@
           <a:p>
             <a:fld id="{31E373B5-F1A7-43C9-8F7F-CAE3B87B0A46}" type="datetimeFigureOut">
               <a:rPr lang="de-DE" smtClean="0"/>
-              <a:t>07.05.2019</a:t>
+              <a:t>09.05.2019</a:t>
             </a:fld>
             <a:endParaRPr lang="de-DE"/>
           </a:p>
@@ -772,7 +3324,7 @@
           <a:p>
             <a:fld id="{31E373B5-F1A7-43C9-8F7F-CAE3B87B0A46}" type="datetimeFigureOut">
               <a:rPr lang="de-DE" smtClean="0"/>
-              <a:t>07.05.2019</a:t>
+              <a:t>09.05.2019</a:t>
             </a:fld>
             <a:endParaRPr lang="de-DE"/>
           </a:p>
@@ -1016,7 +3568,7 @@
           <a:p>
             <a:fld id="{31E373B5-F1A7-43C9-8F7F-CAE3B87B0A46}" type="datetimeFigureOut">
               <a:rPr lang="de-DE" smtClean="0"/>
-              <a:t>07.05.2019</a:t>
+              <a:t>09.05.2019</a:t>
             </a:fld>
             <a:endParaRPr lang="de-DE"/>
           </a:p>
@@ -1248,7 +3800,7 @@
           <a:p>
             <a:fld id="{31E373B5-F1A7-43C9-8F7F-CAE3B87B0A46}" type="datetimeFigureOut">
               <a:rPr lang="de-DE" smtClean="0"/>
-              <a:t>07.05.2019</a:t>
+              <a:t>09.05.2019</a:t>
             </a:fld>
             <a:endParaRPr lang="de-DE"/>
           </a:p>
@@ -1615,7 +4167,7 @@
           <a:p>
             <a:fld id="{31E373B5-F1A7-43C9-8F7F-CAE3B87B0A46}" type="datetimeFigureOut">
               <a:rPr lang="de-DE" smtClean="0"/>
-              <a:t>07.05.2019</a:t>
+              <a:t>09.05.2019</a:t>
             </a:fld>
             <a:endParaRPr lang="de-DE"/>
           </a:p>
@@ -1733,7 +4285,7 @@
           <a:p>
             <a:fld id="{31E373B5-F1A7-43C9-8F7F-CAE3B87B0A46}" type="datetimeFigureOut">
               <a:rPr lang="de-DE" smtClean="0"/>
-              <a:t>07.05.2019</a:t>
+              <a:t>09.05.2019</a:t>
             </a:fld>
             <a:endParaRPr lang="de-DE"/>
           </a:p>
@@ -1828,7 +4380,7 @@
           <a:p>
             <a:fld id="{31E373B5-F1A7-43C9-8F7F-CAE3B87B0A46}" type="datetimeFigureOut">
               <a:rPr lang="de-DE" smtClean="0"/>
-              <a:t>07.05.2019</a:t>
+              <a:t>09.05.2019</a:t>
             </a:fld>
             <a:endParaRPr lang="de-DE"/>
           </a:p>
@@ -2105,7 +4657,7 @@
           <a:p>
             <a:fld id="{31E373B5-F1A7-43C9-8F7F-CAE3B87B0A46}" type="datetimeFigureOut">
               <a:rPr lang="de-DE" smtClean="0"/>
-              <a:t>07.05.2019</a:t>
+              <a:t>09.05.2019</a:t>
             </a:fld>
             <a:endParaRPr lang="de-DE"/>
           </a:p>
@@ -2362,7 +4914,7 @@
           <a:p>
             <a:fld id="{31E373B5-F1A7-43C9-8F7F-CAE3B87B0A46}" type="datetimeFigureOut">
               <a:rPr lang="de-DE" smtClean="0"/>
-              <a:t>07.05.2019</a:t>
+              <a:t>09.05.2019</a:t>
             </a:fld>
             <a:endParaRPr lang="de-DE"/>
           </a:p>
@@ -2575,7 +5127,7 @@
           <a:p>
             <a:fld id="{31E373B5-F1A7-43C9-8F7F-CAE3B87B0A46}" type="datetimeFigureOut">
               <a:rPr lang="de-DE" smtClean="0"/>
-              <a:t>07.05.2019</a:t>
+              <a:t>09.05.2019</a:t>
             </a:fld>
             <a:endParaRPr lang="de-DE"/>
           </a:p>
@@ -3004,7 +5556,7 @@
           <a:p>
             <a:r>
               <a:rPr lang="de-DE" sz="5400" b="1" dirty="0" smtClean="0"/>
-              <a:t>High-performance </a:t>
+              <a:t>Hybrid high-performance </a:t>
             </a:r>
             <a:r>
               <a:rPr lang="de-DE" sz="5400" b="1" dirty="0" err="1" smtClean="0"/>
@@ -3085,6 +5637,95 @@
             <a:endParaRPr lang="de-DE" sz="4400" dirty="0">
               <a:solidFill>
                 <a:srgbClr val="0070C0"/>
+              </a:solidFill>
+            </a:endParaRPr>
+          </a:p>
+          <a:p>
+            <a:r>
+              <a:rPr lang="de-DE" dirty="0" err="1">
+                <a:solidFill>
+                  <a:schemeClr val="bg1">
+                    <a:lumMod val="50000"/>
+                  </a:schemeClr>
+                </a:solidFill>
+              </a:rPr>
+              <a:t>B</a:t>
+            </a:r>
+            <a:r>
+              <a:rPr lang="de-DE" dirty="0" err="1" smtClean="0">
+                <a:solidFill>
+                  <a:schemeClr val="bg1">
+                    <a:lumMod val="50000"/>
+                  </a:schemeClr>
+                </a:solidFill>
+              </a:rPr>
+              <a:t>ecause</a:t>
+            </a:r>
+            <a:r>
+              <a:rPr lang="de-DE" dirty="0" smtClean="0">
+                <a:solidFill>
+                  <a:schemeClr val="bg1">
+                    <a:lumMod val="50000"/>
+                  </a:schemeClr>
+                </a:solidFill>
+              </a:rPr>
+              <a:t> </a:t>
+            </a:r>
+            <a:r>
+              <a:rPr lang="de-DE" dirty="0" err="1" smtClean="0">
+                <a:solidFill>
+                  <a:schemeClr val="bg1">
+                    <a:lumMod val="50000"/>
+                  </a:schemeClr>
+                </a:solidFill>
+              </a:rPr>
+              <a:t>nobody</a:t>
+            </a:r>
+            <a:r>
+              <a:rPr lang="de-DE" dirty="0" smtClean="0">
+                <a:solidFill>
+                  <a:schemeClr val="bg1">
+                    <a:lumMod val="50000"/>
+                  </a:schemeClr>
+                </a:solidFill>
+              </a:rPr>
+              <a:t> </a:t>
+            </a:r>
+            <a:r>
+              <a:rPr lang="de-DE" dirty="0" err="1" smtClean="0">
+                <a:solidFill>
+                  <a:schemeClr val="bg1">
+                    <a:lumMod val="50000"/>
+                  </a:schemeClr>
+                </a:solidFill>
+              </a:rPr>
+              <a:t>likes</a:t>
+            </a:r>
+            <a:r>
+              <a:rPr lang="de-DE" dirty="0" smtClean="0">
+                <a:solidFill>
+                  <a:schemeClr val="bg1">
+                    <a:lumMod val="50000"/>
+                  </a:schemeClr>
+                </a:solidFill>
+              </a:rPr>
+              <a:t> dry </a:t>
+            </a:r>
+            <a:r>
+              <a:rPr lang="de-DE" dirty="0" err="1" smtClean="0">
+                <a:solidFill>
+                  <a:schemeClr val="bg1">
+                    <a:lumMod val="50000"/>
+                  </a:schemeClr>
+                </a:solidFill>
+              </a:rPr>
+              <a:t>theory</a:t>
+            </a:r>
+            <a:endParaRPr lang="de-DE" dirty="0">
+              <a:solidFill>
+                <a:schemeClr val="bg1">
+                  <a:lumMod val="50000"/>
+                </a:schemeClr>
               </a:solidFill>
             </a:endParaRPr>
           </a:p>
@@ -3143,43 +5784,57 @@
           <a:lstStyle/>
           <a:p>
             <a:r>
-              <a:rPr lang="de-DE" b="1" dirty="0" smtClean="0"/>
-              <a:t>Part 3: </a:t>
-            </a:r>
-            <a:r>
-              <a:rPr lang="de-DE" dirty="0" smtClean="0"/>
-              <a:t>Implementation</a:t>
-            </a:r>
-            <a:endParaRPr lang="de-DE" dirty="0"/>
-          </a:p>
-        </p:txBody>
-      </p:sp>
-      <p:sp>
-        <p:nvSpPr>
-          <p:cNvPr id="3" name="Inhaltsplatzhalter 2"/>
-          <p:cNvSpPr>
-            <a:spLocks noGrp="1"/>
-          </p:cNvSpPr>
+              <a:rPr lang="de-DE" dirty="0" err="1"/>
+              <a:t>Conway‘s</a:t>
+            </a:r>
+            <a:r>
+              <a:rPr lang="de-DE" dirty="0"/>
+              <a:t> Game </a:t>
+            </a:r>
+            <a:r>
+              <a:rPr lang="de-DE" dirty="0" err="1"/>
+              <a:t>of</a:t>
+            </a:r>
+            <a:r>
+              <a:rPr lang="de-DE" dirty="0"/>
+              <a:t> Life</a:t>
+            </a:r>
+          </a:p>
+        </p:txBody>
+      </p:sp>
+      <p:pic>
+        <p:nvPicPr>
+          <p:cNvPr id="4" name="Inhaltsplatzhalter 3"/>
+          <p:cNvPicPr>
+            <a:picLocks noGrp="1" noChangeAspect="1"/>
+          </p:cNvPicPr>
           <p:nvPr>
             <p:ph idx="1"/>
           </p:nvPr>
-        </p:nvSpPr>
-        <p:spPr/>
-        <p:txBody>
-          <a:bodyPr/>
-          <a:lstStyle/>
-          <a:p>
-            <a:r>
-              <a:rPr lang="de-DE" dirty="0" smtClean="0"/>
-              <a:t>Iteration 1: Naive</a:t>
-            </a:r>
-          </a:p>
-        </p:txBody>
-      </p:sp>
+        </p:nvPicPr>
+        <p:blipFill>
+          <a:blip r:embed="rId2">
+            <a:extLst>
+              <a:ext uri="{28A0092B-C50C-407E-A947-70E740481C1C}">
+                <a14:useLocalDpi xmlns:a14="http://schemas.microsoft.com/office/drawing/2010/main" val="0"/>
+              </a:ext>
+            </a:extLst>
+          </a:blip>
+          <a:stretch>
+            <a:fillRect/>
+          </a:stretch>
+        </p:blipFill>
+        <p:spPr>
+          <a:xfrm>
+            <a:off x="628650" y="1690689"/>
+            <a:ext cx="4422321" cy="4422321"/>
+          </a:xfrm>
+        </p:spPr>
+      </p:pic>
     </p:spTree>
     <p:extLst>
       <p:ext uri="{BB962C8B-B14F-4D97-AF65-F5344CB8AC3E}">
-        <p14:creationId xmlns:p14="http://schemas.microsoft.com/office/powerpoint/2010/main" val="2647550724"/>
+        <p14:creationId xmlns:p14="http://schemas.microsoft.com/office/powerpoint/2010/main" val="1958070143"/>
       </p:ext>
     </p:extLst>
   </p:cSld>
@@ -3229,52 +5884,57 @@
           <a:lstStyle/>
           <a:p>
             <a:r>
-              <a:rPr lang="de-DE" dirty="0" smtClean="0"/>
-              <a:t>Implementation</a:t>
-            </a:r>
-            <a:endParaRPr lang="de-DE" dirty="0"/>
-          </a:p>
-        </p:txBody>
-      </p:sp>
-      <p:sp>
-        <p:nvSpPr>
-          <p:cNvPr id="3" name="Inhaltsplatzhalter 2"/>
-          <p:cNvSpPr>
-            <a:spLocks noGrp="1"/>
-          </p:cNvSpPr>
+              <a:rPr lang="de-DE" dirty="0" err="1"/>
+              <a:t>Conway‘s</a:t>
+            </a:r>
+            <a:r>
+              <a:rPr lang="de-DE" dirty="0"/>
+              <a:t> Game </a:t>
+            </a:r>
+            <a:r>
+              <a:rPr lang="de-DE" dirty="0" err="1"/>
+              <a:t>of</a:t>
+            </a:r>
+            <a:r>
+              <a:rPr lang="de-DE" dirty="0"/>
+              <a:t> Life</a:t>
+            </a:r>
+          </a:p>
+        </p:txBody>
+      </p:sp>
+      <p:pic>
+        <p:nvPicPr>
+          <p:cNvPr id="5" name="Inhaltsplatzhalter 4"/>
+          <p:cNvPicPr>
+            <a:picLocks noGrp="1" noChangeAspect="1"/>
+          </p:cNvPicPr>
           <p:nvPr>
             <p:ph idx="1"/>
           </p:nvPr>
-        </p:nvSpPr>
-        <p:spPr/>
-        <p:txBody>
-          <a:bodyPr/>
-          <a:lstStyle/>
-          <a:p>
-            <a:r>
-              <a:rPr lang="en-US" dirty="0" smtClean="0"/>
-              <a:t>Iteration 2: Optimized naive</a:t>
-            </a:r>
-          </a:p>
-          <a:p>
-            <a:endParaRPr lang="en-US" dirty="0"/>
-          </a:p>
-          <a:p>
-            <a:r>
-              <a:rPr lang="en-US" dirty="0" smtClean="0"/>
-              <a:t>Use lookup table for state computation</a:t>
-            </a:r>
-            <a:endParaRPr lang="en-US" dirty="0"/>
-          </a:p>
-          <a:p>
-            <a:endParaRPr lang="en-US" dirty="0" smtClean="0"/>
-          </a:p>
-        </p:txBody>
-      </p:sp>
+        </p:nvPicPr>
+        <p:blipFill>
+          <a:blip r:embed="rId2">
+            <a:extLst>
+              <a:ext uri="{28A0092B-C50C-407E-A947-70E740481C1C}">
+                <a14:useLocalDpi xmlns:a14="http://schemas.microsoft.com/office/drawing/2010/main" val="0"/>
+              </a:ext>
+            </a:extLst>
+          </a:blip>
+          <a:stretch>
+            <a:fillRect/>
+          </a:stretch>
+        </p:blipFill>
+        <p:spPr>
+          <a:xfrm>
+            <a:off x="1001486" y="1416884"/>
+            <a:ext cx="6801395" cy="5441116"/>
+          </a:xfrm>
+        </p:spPr>
+      </p:pic>
     </p:spTree>
     <p:extLst>
       <p:ext uri="{BB962C8B-B14F-4D97-AF65-F5344CB8AC3E}">
-        <p14:creationId xmlns:p14="http://schemas.microsoft.com/office/powerpoint/2010/main" val="1993943907"/>
+        <p14:creationId xmlns:p14="http://schemas.microsoft.com/office/powerpoint/2010/main" val="1293745761"/>
       </p:ext>
     </p:extLst>
   </p:cSld>
@@ -3324,6 +5984,10 @@
           <a:lstStyle/>
           <a:p>
             <a:r>
+              <a:rPr lang="de-DE" b="1" dirty="0" smtClean="0"/>
+              <a:t>Part 3: </a:t>
+            </a:r>
+            <a:r>
               <a:rPr lang="de-DE" dirty="0" smtClean="0"/>
               <a:t>Implementation</a:t>
             </a:r>
@@ -3348,60 +6012,36 @@
           <a:p>
             <a:r>
               <a:rPr lang="en-US" dirty="0" smtClean="0"/>
-              <a:t>Iteration 3: </a:t>
-            </a:r>
-            <a:r>
-              <a:rPr lang="en-US" dirty="0" err="1" smtClean="0"/>
-              <a:t>Vectorized</a:t>
-            </a:r>
+              <a:t>Iteration 1: Naive</a:t>
+            </a:r>
+          </a:p>
+          <a:p>
+            <a:pPr lvl="1"/>
             <a:r>
               <a:rPr lang="en-US" dirty="0" smtClean="0"/>
-              <a:t> loops using SIMD</a:t>
-            </a:r>
-          </a:p>
-          <a:p>
-            <a:r>
-              <a:rPr lang="en-US" dirty="0"/>
-              <a:t>Precompute row </a:t>
-            </a:r>
-            <a:r>
-              <a:rPr lang="en-US" dirty="0" smtClean="0"/>
-              <a:t>sums</a:t>
-            </a:r>
-          </a:p>
-          <a:p>
-            <a:endParaRPr lang="en-US" dirty="0"/>
-          </a:p>
-          <a:p>
-            <a:r>
-              <a:rPr lang="en-US" dirty="0" smtClean="0"/>
-              <a:t>Actually slower?</a:t>
-            </a:r>
-          </a:p>
-          <a:p>
-            <a:r>
-              <a:rPr lang="en-US" dirty="0" smtClean="0"/>
-              <a:t>Memory read/write penalty</a:t>
-            </a:r>
-          </a:p>
-          <a:p>
-            <a:r>
-              <a:rPr lang="en-US" dirty="0" smtClean="0"/>
-              <a:t>Small loops are unrolled nevertheless</a:t>
-            </a:r>
+              <a:t>Sum neighbors and compare to rules</a:t>
+            </a:r>
+            <a:endParaRPr lang="en-US" dirty="0" smtClean="0"/>
           </a:p>
         </p:txBody>
       </p:sp>
     </p:spTree>
     <p:extLst>
       <p:ext uri="{BB962C8B-B14F-4D97-AF65-F5344CB8AC3E}">
-        <p14:creationId xmlns:p14="http://schemas.microsoft.com/office/powerpoint/2010/main" val="2973016670"/>
+        <p14:creationId xmlns:p14="http://schemas.microsoft.com/office/powerpoint/2010/main" val="2647550724"/>
       </p:ext>
     </p:extLst>
   </p:cSld>
   <p:clrMapOvr>
     <a:masterClrMapping/>
   </p:clrMapOvr>
+  <p:timing>
+    <p:tnLst>
+      <p:par>
+        <p:cTn id="1" dur="indefinite" restart="never" nodeType="tmRoot"/>
+      </p:par>
+    </p:tnLst>
+  </p:timing>
 </p:sld>
 </file>
 
@@ -3462,21 +6102,83 @@
           <a:p>
             <a:r>
               <a:rPr lang="en-US" dirty="0" smtClean="0"/>
-              <a:t>Iteration 4: Multithreading</a:t>
-            </a:r>
-          </a:p>
-        </p:txBody>
-      </p:sp>
+              <a:t>Iteration 2: Optimized naive</a:t>
+            </a:r>
+          </a:p>
+          <a:p>
+            <a:pPr lvl="1"/>
+            <a:r>
+              <a:rPr lang="en-US" dirty="0" smtClean="0"/>
+              <a:t>Use </a:t>
+            </a:r>
+            <a:r>
+              <a:rPr lang="en-US" dirty="0" smtClean="0"/>
+              <a:t>lookup table for state </a:t>
+            </a:r>
+            <a:r>
+              <a:rPr lang="en-US" dirty="0" smtClean="0"/>
+              <a:t>computation</a:t>
+            </a:r>
+          </a:p>
+          <a:p>
+            <a:pPr lvl="1"/>
+            <a:r>
+              <a:rPr lang="en-US" dirty="0" smtClean="0"/>
+              <a:t>Eliminates comparisons</a:t>
+            </a:r>
+            <a:endParaRPr lang="en-US" dirty="0"/>
+          </a:p>
+          <a:p>
+            <a:endParaRPr lang="en-US" dirty="0" smtClean="0"/>
+          </a:p>
+        </p:txBody>
+      </p:sp>
+      <p:pic>
+        <p:nvPicPr>
+          <p:cNvPr id="4" name="Grafik 3"/>
+          <p:cNvPicPr>
+            <a:picLocks noChangeAspect="1"/>
+          </p:cNvPicPr>
+          <p:nvPr/>
+        </p:nvPicPr>
+        <p:blipFill rotWithShape="1">
+          <a:blip r:embed="rId2">
+            <a:extLst>
+              <a:ext uri="{28A0092B-C50C-407E-A947-70E740481C1C}">
+                <a14:useLocalDpi xmlns:a14="http://schemas.microsoft.com/office/drawing/2010/main" val="0"/>
+              </a:ext>
+            </a:extLst>
+          </a:blip>
+          <a:srcRect b="77277"/>
+          <a:stretch/>
+        </p:blipFill>
+        <p:spPr>
+          <a:xfrm>
+            <a:off x="3295224" y="4237149"/>
+            <a:ext cx="5641221" cy="2189409"/>
+          </a:xfrm>
+          <a:prstGeom prst="rect">
+            <a:avLst/>
+          </a:prstGeom>
+        </p:spPr>
+      </p:pic>
     </p:spTree>
     <p:extLst>
       <p:ext uri="{BB962C8B-B14F-4D97-AF65-F5344CB8AC3E}">
-        <p14:creationId xmlns:p14="http://schemas.microsoft.com/office/powerpoint/2010/main" val="3055827033"/>
+        <p14:creationId xmlns:p14="http://schemas.microsoft.com/office/powerpoint/2010/main" val="1993943907"/>
       </p:ext>
     </p:extLst>
   </p:cSld>
   <p:clrMapOvr>
     <a:masterClrMapping/>
   </p:clrMapOvr>
+  <p:timing>
+    <p:tnLst>
+      <p:par>
+        <p:cTn id="1" dur="indefinite" restart="never" nodeType="tmRoot"/>
+      </p:par>
+    </p:tnLst>
+  </p:timing>
 </p:sld>
 </file>
 
@@ -3514,7 +6216,7 @@
           <a:p>
             <a:r>
               <a:rPr lang="de-DE" dirty="0" smtClean="0"/>
-              <a:t>Implementation</a:t>
+              <a:t>A Note on SIMD</a:t>
             </a:r>
             <a:endParaRPr lang="de-DE" dirty="0"/>
           </a:p>
@@ -3537,7 +6239,49 @@
           <a:p>
             <a:r>
               <a:rPr lang="en-US" dirty="0" smtClean="0"/>
-              <a:t>Iteration 5: MPI support</a:t>
+              <a:t>Iteration 3: </a:t>
+            </a:r>
+            <a:r>
+              <a:rPr lang="en-US" dirty="0" err="1" smtClean="0"/>
+              <a:t>Vectorized</a:t>
+            </a:r>
+            <a:r>
+              <a:rPr lang="en-US" dirty="0" smtClean="0"/>
+              <a:t> loops using SIMD</a:t>
+            </a:r>
+          </a:p>
+          <a:p>
+            <a:pPr lvl="1"/>
+            <a:r>
+              <a:rPr lang="en-US" dirty="0"/>
+              <a:t>Precompute row </a:t>
+            </a:r>
+            <a:r>
+              <a:rPr lang="en-US" dirty="0" smtClean="0"/>
+              <a:t>sums</a:t>
+            </a:r>
+          </a:p>
+          <a:p>
+            <a:endParaRPr lang="en-US" dirty="0"/>
+          </a:p>
+          <a:p>
+            <a:r>
+              <a:rPr lang="en-US" dirty="0" smtClean="0"/>
+              <a:t>Actually slower?</a:t>
+            </a:r>
+          </a:p>
+          <a:p>
+            <a:pPr lvl="1"/>
+            <a:r>
+              <a:rPr lang="en-US" dirty="0" smtClean="0"/>
+              <a:t>Memory read/write penalty</a:t>
+            </a:r>
+          </a:p>
+          <a:p>
+            <a:pPr lvl="1"/>
+            <a:r>
+              <a:rPr lang="en-US" dirty="0" smtClean="0"/>
+              <a:t>Small loops are unrolled nevertheless</a:t>
             </a:r>
           </a:p>
         </p:txBody>
@@ -3545,13 +6289,20 @@
     </p:spTree>
     <p:extLst>
       <p:ext uri="{BB962C8B-B14F-4D97-AF65-F5344CB8AC3E}">
-        <p14:creationId xmlns:p14="http://schemas.microsoft.com/office/powerpoint/2010/main" val="411061111"/>
+        <p14:creationId xmlns:p14="http://schemas.microsoft.com/office/powerpoint/2010/main" val="2973016670"/>
       </p:ext>
     </p:extLst>
   </p:cSld>
   <p:clrMapOvr>
     <a:masterClrMapping/>
   </p:clrMapOvr>
+  <p:timing>
+    <p:tnLst>
+      <p:par>
+        <p:cTn id="1" dur="indefinite" restart="never" nodeType="tmRoot"/>
+      </p:par>
+    </p:tnLst>
+  </p:timing>
 </p:sld>
 </file>
 
@@ -3588,6 +6339,141 @@
           <a:lstStyle/>
           <a:p>
             <a:r>
+              <a:rPr lang="en-US" dirty="0"/>
+              <a:t>Multithreading</a:t>
+            </a:r>
+            <a:endParaRPr lang="de-DE" dirty="0"/>
+          </a:p>
+        </p:txBody>
+      </p:sp>
+      <p:sp>
+        <p:nvSpPr>
+          <p:cNvPr id="3" name="Inhaltsplatzhalter 2"/>
+          <p:cNvSpPr>
+            <a:spLocks noGrp="1"/>
+          </p:cNvSpPr>
+          <p:nvPr>
+            <p:ph idx="1"/>
+          </p:nvPr>
+        </p:nvSpPr>
+        <p:spPr/>
+        <p:txBody>
+          <a:bodyPr/>
+          <a:lstStyle/>
+          <a:p>
+            <a:r>
+              <a:rPr lang="en-US" dirty="0" smtClean="0"/>
+              <a:t>Iteration 4: </a:t>
+            </a:r>
+            <a:r>
+              <a:rPr lang="en-US" dirty="0" smtClean="0"/>
+              <a:t>Multithreading</a:t>
+            </a:r>
+          </a:p>
+          <a:p>
+            <a:pPr lvl="1"/>
+            <a:r>
+              <a:rPr lang="en-US" dirty="0" smtClean="0"/>
+              <a:t>Parallelize main loop using </a:t>
+            </a:r>
+            <a:r>
+              <a:rPr lang="en-US" dirty="0" err="1" smtClean="0"/>
+              <a:t>OpenMP</a:t>
+            </a:r>
+            <a:endParaRPr lang="en-US" dirty="0" smtClean="0"/>
+          </a:p>
+          <a:p>
+            <a:pPr lvl="1"/>
+            <a:r>
+              <a:rPr lang="en-US" dirty="0" smtClean="0"/>
+              <a:t>Compute slice of work for each thread</a:t>
+            </a:r>
+            <a:endParaRPr lang="en-US" dirty="0" smtClean="0"/>
+          </a:p>
+        </p:txBody>
+      </p:sp>
+      <p:pic>
+        <p:nvPicPr>
+          <p:cNvPr id="4" name="Grafik 3"/>
+          <p:cNvPicPr>
+            <a:picLocks noChangeAspect="1"/>
+          </p:cNvPicPr>
+          <p:nvPr/>
+        </p:nvPicPr>
+        <p:blipFill rotWithShape="1">
+          <a:blip r:embed="rId2">
+            <a:extLst>
+              <a:ext uri="{28A0092B-C50C-407E-A947-70E740481C1C}">
+                <a14:useLocalDpi xmlns:a14="http://schemas.microsoft.com/office/drawing/2010/main" val="0"/>
+              </a:ext>
+            </a:extLst>
+          </a:blip>
+          <a:srcRect t="22160" b="55305"/>
+          <a:stretch/>
+        </p:blipFill>
+        <p:spPr>
+          <a:xfrm>
+            <a:off x="3304186" y="4134118"/>
+            <a:ext cx="5658017" cy="2177781"/>
+          </a:xfrm>
+          <a:prstGeom prst="rect">
+            <a:avLst/>
+          </a:prstGeom>
+        </p:spPr>
+      </p:pic>
+    </p:spTree>
+    <p:extLst>
+      <p:ext uri="{BB962C8B-B14F-4D97-AF65-F5344CB8AC3E}">
+        <p14:creationId xmlns:p14="http://schemas.microsoft.com/office/powerpoint/2010/main" val="3055827033"/>
+      </p:ext>
+    </p:extLst>
+  </p:cSld>
+  <p:clrMapOvr>
+    <a:masterClrMapping/>
+  </p:clrMapOvr>
+  <p:timing>
+    <p:tnLst>
+      <p:par>
+        <p:cTn id="1" dur="indefinite" restart="never" nodeType="tmRoot"/>
+      </p:par>
+    </p:tnLst>
+  </p:timing>
+</p:sld>
+</file>
+
+<file path=ppt/slides/slide16.xml><?xml version="1.0" encoding="utf-8"?>
+<p:sld xmlns:a="http://schemas.openxmlformats.org/drawingml/2006/main" xmlns:r="http://schemas.openxmlformats.org/officeDocument/2006/relationships" xmlns:p="http://schemas.openxmlformats.org/presentationml/2006/main">
+  <p:cSld>
+    <p:spTree>
+      <p:nvGrpSpPr>
+        <p:cNvPr id="1" name=""/>
+        <p:cNvGrpSpPr/>
+        <p:nvPr/>
+      </p:nvGrpSpPr>
+      <p:grpSpPr>
+        <a:xfrm>
+          <a:off x="0" y="0"/>
+          <a:ext cx="0" cy="0"/>
+          <a:chOff x="0" y="0"/>
+          <a:chExt cx="0" cy="0"/>
+        </a:xfrm>
+      </p:grpSpPr>
+      <p:sp>
+        <p:nvSpPr>
+          <p:cNvPr id="2" name="Titel 1"/>
+          <p:cNvSpPr>
+            <a:spLocks noGrp="1"/>
+          </p:cNvSpPr>
+          <p:nvPr>
+            <p:ph type="title"/>
+          </p:nvPr>
+        </p:nvSpPr>
+        <p:spPr/>
+        <p:txBody>
+          <a:bodyPr/>
+          <a:lstStyle/>
+          <a:p>
+            <a:r>
               <a:rPr lang="de-DE" dirty="0" smtClean="0"/>
               <a:t>Implementation</a:t>
             </a:r>
@@ -3612,15 +6498,378 @@
           <a:p>
             <a:r>
               <a:rPr lang="en-US" dirty="0" smtClean="0"/>
-              <a:t>Iteration 6: Hybrid parallelization</a:t>
-            </a:r>
-          </a:p>
-        </p:txBody>
-      </p:sp>
+              <a:t>Iteration 5: MPI </a:t>
+            </a:r>
+            <a:r>
+              <a:rPr lang="en-US" dirty="0" smtClean="0"/>
+              <a:t>support</a:t>
+            </a:r>
+          </a:p>
+          <a:p>
+            <a:pPr lvl="1"/>
+            <a:r>
+              <a:rPr lang="en-US" dirty="0" smtClean="0"/>
+              <a:t>Distribute work across multiple CPUs</a:t>
+            </a:r>
+          </a:p>
+          <a:p>
+            <a:pPr lvl="1"/>
+            <a:r>
+              <a:rPr lang="en-US" dirty="0" smtClean="0"/>
+              <a:t>Again, compute work slices</a:t>
+            </a:r>
+          </a:p>
+          <a:p>
+            <a:pPr lvl="1"/>
+            <a:endParaRPr lang="en-US" dirty="0"/>
+          </a:p>
+          <a:p>
+            <a:r>
+              <a:rPr lang="en-US" dirty="0" smtClean="0"/>
+              <a:t>Exchange boundaries</a:t>
+            </a:r>
+          </a:p>
+          <a:p>
+            <a:pPr lvl="1"/>
+            <a:r>
+              <a:rPr lang="en-US" dirty="0" smtClean="0"/>
+              <a:t>Keep internal state synchronized</a:t>
+            </a:r>
+            <a:endParaRPr lang="en-US" dirty="0"/>
+          </a:p>
+        </p:txBody>
+      </p:sp>
+      <p:pic>
+        <p:nvPicPr>
+          <p:cNvPr id="4" name="Grafik 3"/>
+          <p:cNvPicPr>
+            <a:picLocks noChangeAspect="1"/>
+          </p:cNvPicPr>
+          <p:nvPr/>
+        </p:nvPicPr>
+        <p:blipFill rotWithShape="1">
+          <a:blip r:embed="rId2">
+            <a:extLst>
+              <a:ext uri="{28A0092B-C50C-407E-A947-70E740481C1C}">
+                <a14:useLocalDpi xmlns:a14="http://schemas.microsoft.com/office/drawing/2010/main" val="0"/>
+              </a:ext>
+            </a:extLst>
+          </a:blip>
+          <a:srcRect t="44319" b="35024"/>
+          <a:stretch/>
+        </p:blipFill>
+        <p:spPr>
+          <a:xfrm>
+            <a:off x="2993091" y="4468970"/>
+            <a:ext cx="5840324" cy="2060620"/>
+          </a:xfrm>
+          <a:prstGeom prst="rect">
+            <a:avLst/>
+          </a:prstGeom>
+        </p:spPr>
+      </p:pic>
+    </p:spTree>
+    <p:extLst>
+      <p:ext uri="{BB962C8B-B14F-4D97-AF65-F5344CB8AC3E}">
+        <p14:creationId xmlns:p14="http://schemas.microsoft.com/office/powerpoint/2010/main" val="411061111"/>
+      </p:ext>
+    </p:extLst>
+  </p:cSld>
+  <p:clrMapOvr>
+    <a:masterClrMapping/>
+  </p:clrMapOvr>
+  <p:timing>
+    <p:tnLst>
+      <p:par>
+        <p:cTn id="1" dur="indefinite" restart="never" nodeType="tmRoot"/>
+      </p:par>
+    </p:tnLst>
+  </p:timing>
+</p:sld>
+</file>
+
+<file path=ppt/slides/slide17.xml><?xml version="1.0" encoding="utf-8"?>
+<p:sld xmlns:a="http://schemas.openxmlformats.org/drawingml/2006/main" xmlns:r="http://schemas.openxmlformats.org/officeDocument/2006/relationships" xmlns:p="http://schemas.openxmlformats.org/presentationml/2006/main">
+  <p:cSld>
+    <p:spTree>
+      <p:nvGrpSpPr>
+        <p:cNvPr id="1" name=""/>
+        <p:cNvGrpSpPr/>
+        <p:nvPr/>
+      </p:nvGrpSpPr>
+      <p:grpSpPr>
+        <a:xfrm>
+          <a:off x="0" y="0"/>
+          <a:ext cx="0" cy="0"/>
+          <a:chOff x="0" y="0"/>
+          <a:chExt cx="0" cy="0"/>
+        </a:xfrm>
+      </p:grpSpPr>
+      <p:sp>
+        <p:nvSpPr>
+          <p:cNvPr id="2" name="Titel 1"/>
+          <p:cNvSpPr>
+            <a:spLocks noGrp="1"/>
+          </p:cNvSpPr>
+          <p:nvPr>
+            <p:ph type="title"/>
+          </p:nvPr>
+        </p:nvSpPr>
+        <p:spPr/>
+        <p:txBody>
+          <a:bodyPr/>
+          <a:lstStyle/>
+          <a:p>
+            <a:r>
+              <a:rPr lang="de-DE" dirty="0" smtClean="0"/>
+              <a:t>Implementation</a:t>
+            </a:r>
+            <a:endParaRPr lang="de-DE" dirty="0"/>
+          </a:p>
+        </p:txBody>
+      </p:sp>
+      <p:sp>
+        <p:nvSpPr>
+          <p:cNvPr id="3" name="Inhaltsplatzhalter 2"/>
+          <p:cNvSpPr>
+            <a:spLocks noGrp="1"/>
+          </p:cNvSpPr>
+          <p:nvPr>
+            <p:ph idx="1"/>
+          </p:nvPr>
+        </p:nvSpPr>
+        <p:spPr/>
+        <p:txBody>
+          <a:bodyPr/>
+          <a:lstStyle/>
+          <a:p>
+            <a:r>
+              <a:rPr lang="en-US" dirty="0" smtClean="0"/>
+              <a:t>Iteration 6: Hybrid </a:t>
+            </a:r>
+            <a:r>
+              <a:rPr lang="en-US" dirty="0" smtClean="0"/>
+              <a:t>parallelization</a:t>
+            </a:r>
+          </a:p>
+          <a:p>
+            <a:pPr lvl="1"/>
+            <a:r>
+              <a:rPr lang="en-US" dirty="0" smtClean="0"/>
+              <a:t>Multithreading and Node-distribution</a:t>
+            </a:r>
+            <a:endParaRPr lang="en-US" dirty="0" smtClean="0"/>
+          </a:p>
+        </p:txBody>
+      </p:sp>
+      <p:pic>
+        <p:nvPicPr>
+          <p:cNvPr id="4" name="Grafik 3"/>
+          <p:cNvPicPr>
+            <a:picLocks noChangeAspect="1"/>
+          </p:cNvPicPr>
+          <p:nvPr/>
+        </p:nvPicPr>
+        <p:blipFill rotWithShape="1">
+          <a:blip r:embed="rId2">
+            <a:extLst>
+              <a:ext uri="{28A0092B-C50C-407E-A947-70E740481C1C}">
+                <a14:useLocalDpi xmlns:a14="http://schemas.microsoft.com/office/drawing/2010/main" val="0"/>
+              </a:ext>
+            </a:extLst>
+          </a:blip>
+          <a:srcRect t="64225" b="13240"/>
+          <a:stretch/>
+        </p:blipFill>
+        <p:spPr>
+          <a:xfrm>
+            <a:off x="2984076" y="3940935"/>
+            <a:ext cx="6159924" cy="2370964"/>
+          </a:xfrm>
+          <a:prstGeom prst="rect">
+            <a:avLst/>
+          </a:prstGeom>
+        </p:spPr>
+      </p:pic>
     </p:spTree>
     <p:extLst>
       <p:ext uri="{BB962C8B-B14F-4D97-AF65-F5344CB8AC3E}">
         <p14:creationId xmlns:p14="http://schemas.microsoft.com/office/powerpoint/2010/main" val="4176174086"/>
+      </p:ext>
+    </p:extLst>
+  </p:cSld>
+  <p:clrMapOvr>
+    <a:masterClrMapping/>
+  </p:clrMapOvr>
+  <p:timing>
+    <p:tnLst>
+      <p:par>
+        <p:cTn id="1" dur="indefinite" restart="never" nodeType="tmRoot"/>
+      </p:par>
+    </p:tnLst>
+  </p:timing>
+</p:sld>
+</file>
+
+<file path=ppt/slides/slide18.xml><?xml version="1.0" encoding="utf-8"?>
+<p:sld xmlns:a="http://schemas.openxmlformats.org/drawingml/2006/main" xmlns:r="http://schemas.openxmlformats.org/officeDocument/2006/relationships" xmlns:p="http://schemas.openxmlformats.org/presentationml/2006/main">
+  <p:cSld>
+    <p:spTree>
+      <p:nvGrpSpPr>
+        <p:cNvPr id="1" name=""/>
+        <p:cNvGrpSpPr/>
+        <p:nvPr/>
+      </p:nvGrpSpPr>
+      <p:grpSpPr>
+        <a:xfrm>
+          <a:off x="0" y="0"/>
+          <a:ext cx="0" cy="0"/>
+          <a:chOff x="0" y="0"/>
+          <a:chExt cx="0" cy="0"/>
+        </a:xfrm>
+      </p:grpSpPr>
+      <p:sp>
+        <p:nvSpPr>
+          <p:cNvPr id="2" name="Titel 1"/>
+          <p:cNvSpPr>
+            <a:spLocks noGrp="1"/>
+          </p:cNvSpPr>
+          <p:nvPr>
+            <p:ph type="title"/>
+          </p:nvPr>
+        </p:nvSpPr>
+        <p:spPr/>
+        <p:txBody>
+          <a:bodyPr/>
+          <a:lstStyle/>
+          <a:p>
+            <a:r>
+              <a:rPr lang="de-DE" b="1" dirty="0" smtClean="0"/>
+              <a:t>Part 4: </a:t>
+            </a:r>
+            <a:r>
+              <a:rPr lang="de-DE" dirty="0" err="1" smtClean="0"/>
+              <a:t>Local</a:t>
+            </a:r>
+            <a:r>
+              <a:rPr lang="de-DE" dirty="0" smtClean="0"/>
+              <a:t> Evaluation</a:t>
+            </a:r>
+            <a:endParaRPr lang="en-US" dirty="0"/>
+          </a:p>
+        </p:txBody>
+      </p:sp>
+      <p:graphicFrame>
+        <p:nvGraphicFramePr>
+          <p:cNvPr id="4" name="Inhaltsplatzhalter 3"/>
+          <p:cNvGraphicFramePr>
+            <a:graphicFrameLocks noGrp="1"/>
+          </p:cNvGraphicFramePr>
+          <p:nvPr>
+            <p:ph idx="1"/>
+            <p:extLst>
+              <p:ext uri="{D42A27DB-BD31-4B8C-83A1-F6EECF244321}">
+                <p14:modId xmlns:p14="http://schemas.microsoft.com/office/powerpoint/2010/main" val="1434981736"/>
+              </p:ext>
+            </p:extLst>
+          </p:nvPr>
+        </p:nvGraphicFramePr>
+        <p:xfrm>
+          <a:off x="628650" y="1825625"/>
+          <a:ext cx="7886700" cy="4351338"/>
+        </p:xfrm>
+        <a:graphic>
+          <a:graphicData uri="http://schemas.openxmlformats.org/drawingml/2006/chart">
+            <c:chart xmlns:c="http://schemas.openxmlformats.org/drawingml/2006/chart" xmlns:r="http://schemas.openxmlformats.org/officeDocument/2006/relationships" r:id="rId2"/>
+          </a:graphicData>
+        </a:graphic>
+      </p:graphicFrame>
+    </p:spTree>
+    <p:extLst>
+      <p:ext uri="{BB962C8B-B14F-4D97-AF65-F5344CB8AC3E}">
+        <p14:creationId xmlns:p14="http://schemas.microsoft.com/office/powerpoint/2010/main" val="1373301298"/>
+      </p:ext>
+    </p:extLst>
+  </p:cSld>
+  <p:clrMapOvr>
+    <a:masterClrMapping/>
+  </p:clrMapOvr>
+</p:sld>
+</file>
+
+<file path=ppt/slides/slide19.xml><?xml version="1.0" encoding="utf-8"?>
+<p:sld xmlns:a="http://schemas.openxmlformats.org/drawingml/2006/main" xmlns:r="http://schemas.openxmlformats.org/officeDocument/2006/relationships" xmlns:p="http://schemas.openxmlformats.org/presentationml/2006/main">
+  <p:cSld>
+    <p:spTree>
+      <p:nvGrpSpPr>
+        <p:cNvPr id="1" name=""/>
+        <p:cNvGrpSpPr/>
+        <p:nvPr/>
+      </p:nvGrpSpPr>
+      <p:grpSpPr>
+        <a:xfrm>
+          <a:off x="0" y="0"/>
+          <a:ext cx="0" cy="0"/>
+          <a:chOff x="0" y="0"/>
+          <a:chExt cx="0" cy="0"/>
+        </a:xfrm>
+      </p:grpSpPr>
+      <p:sp>
+        <p:nvSpPr>
+          <p:cNvPr id="2" name="Titel 1"/>
+          <p:cNvSpPr>
+            <a:spLocks noGrp="1"/>
+          </p:cNvSpPr>
+          <p:nvPr>
+            <p:ph type="title"/>
+          </p:nvPr>
+        </p:nvSpPr>
+        <p:spPr/>
+        <p:txBody>
+          <a:bodyPr/>
+          <a:lstStyle/>
+          <a:p>
+            <a:r>
+              <a:rPr lang="de-DE" dirty="0" err="1"/>
+              <a:t>Local</a:t>
+            </a:r>
+            <a:r>
+              <a:rPr lang="de-DE" dirty="0"/>
+              <a:t> Evaluation</a:t>
+            </a:r>
+            <a:endParaRPr lang="en-US" dirty="0"/>
+          </a:p>
+        </p:txBody>
+      </p:sp>
+      <p:graphicFrame>
+        <p:nvGraphicFramePr>
+          <p:cNvPr id="5" name="Inhaltsplatzhalter 4"/>
+          <p:cNvGraphicFramePr>
+            <a:graphicFrameLocks noGrp="1"/>
+          </p:cNvGraphicFramePr>
+          <p:nvPr>
+            <p:ph idx="1"/>
+            <p:extLst>
+              <p:ext uri="{D42A27DB-BD31-4B8C-83A1-F6EECF244321}">
+                <p14:modId xmlns:p14="http://schemas.microsoft.com/office/powerpoint/2010/main" val="1200377723"/>
+              </p:ext>
+            </p:extLst>
+          </p:nvPr>
+        </p:nvGraphicFramePr>
+        <p:xfrm>
+          <a:off x="628650" y="1825625"/>
+          <a:ext cx="7886700" cy="4351338"/>
+        </p:xfrm>
+        <a:graphic>
+          <a:graphicData uri="http://schemas.openxmlformats.org/drawingml/2006/chart">
+            <c:chart xmlns:c="http://schemas.openxmlformats.org/drawingml/2006/chart" xmlns:r="http://schemas.openxmlformats.org/officeDocument/2006/relationships" r:id="rId2"/>
+          </a:graphicData>
+        </a:graphic>
+      </p:graphicFrame>
+    </p:spTree>
+    <p:extLst>
+      <p:ext uri="{BB962C8B-B14F-4D97-AF65-F5344CB8AC3E}">
+        <p14:creationId xmlns:p14="http://schemas.microsoft.com/office/powerpoint/2010/main" val="2434035879"/>
       </p:ext>
     </p:extLst>
   </p:cSld>
@@ -3735,6 +6984,324 @@
 </p:sld>
 </file>
 
+<file path=ppt/slides/slide20.xml><?xml version="1.0" encoding="utf-8"?>
+<p:sld xmlns:a="http://schemas.openxmlformats.org/drawingml/2006/main" xmlns:r="http://schemas.openxmlformats.org/officeDocument/2006/relationships" xmlns:p="http://schemas.openxmlformats.org/presentationml/2006/main">
+  <p:cSld>
+    <p:spTree>
+      <p:nvGrpSpPr>
+        <p:cNvPr id="1" name=""/>
+        <p:cNvGrpSpPr/>
+        <p:nvPr/>
+      </p:nvGrpSpPr>
+      <p:grpSpPr>
+        <a:xfrm>
+          <a:off x="0" y="0"/>
+          <a:ext cx="0" cy="0"/>
+          <a:chOff x="0" y="0"/>
+          <a:chExt cx="0" cy="0"/>
+        </a:xfrm>
+      </p:grpSpPr>
+      <p:sp>
+        <p:nvSpPr>
+          <p:cNvPr id="2" name="Titel 1"/>
+          <p:cNvSpPr>
+            <a:spLocks noGrp="1"/>
+          </p:cNvSpPr>
+          <p:nvPr>
+            <p:ph type="title"/>
+          </p:nvPr>
+        </p:nvSpPr>
+        <p:spPr/>
+        <p:txBody>
+          <a:bodyPr/>
+          <a:lstStyle/>
+          <a:p>
+            <a:r>
+              <a:rPr lang="de-DE" dirty="0" err="1" smtClean="0"/>
+              <a:t>Thank</a:t>
+            </a:r>
+            <a:r>
+              <a:rPr lang="de-DE" dirty="0" smtClean="0"/>
+              <a:t> </a:t>
+            </a:r>
+            <a:r>
+              <a:rPr lang="de-DE" dirty="0" err="1" smtClean="0"/>
+              <a:t>you</a:t>
+            </a:r>
+            <a:endParaRPr lang="de-DE" dirty="0"/>
+          </a:p>
+        </p:txBody>
+      </p:sp>
+      <p:pic>
+        <p:nvPicPr>
+          <p:cNvPr id="4" name="Inhaltsplatzhalter 3"/>
+          <p:cNvPicPr>
+            <a:picLocks noGrp="1" noChangeAspect="1"/>
+          </p:cNvPicPr>
+          <p:nvPr>
+            <p:ph idx="1"/>
+          </p:nvPr>
+        </p:nvPicPr>
+        <p:blipFill>
+          <a:blip r:embed="rId2">
+            <a:extLst>
+              <a:ext uri="{28A0092B-C50C-407E-A947-70E740481C1C}">
+                <a14:useLocalDpi xmlns:a14="http://schemas.microsoft.com/office/drawing/2010/main" val="0"/>
+              </a:ext>
+            </a:extLst>
+          </a:blip>
+          <a:stretch>
+            <a:fillRect/>
+          </a:stretch>
+        </p:blipFill>
+        <p:spPr>
+          <a:xfrm>
+            <a:off x="515439" y="2854143"/>
+            <a:ext cx="7886700" cy="4140517"/>
+          </a:xfrm>
+        </p:spPr>
+      </p:pic>
+      <p:sp>
+        <p:nvSpPr>
+          <p:cNvPr id="5" name="Inhaltsplatzhalter 2"/>
+          <p:cNvSpPr txBox="1">
+            <a:spLocks/>
+          </p:cNvSpPr>
+          <p:nvPr/>
+        </p:nvSpPr>
+        <p:spPr>
+          <a:xfrm>
+            <a:off x="628650" y="1825625"/>
+            <a:ext cx="7886700" cy="4351338"/>
+          </a:xfrm>
+          <a:prstGeom prst="rect">
+            <a:avLst/>
+          </a:prstGeom>
+        </p:spPr>
+        <p:txBody>
+          <a:bodyPr vert="horz" lIns="91440" tIns="45720" rIns="91440" bIns="45720" rtlCol="0">
+            <a:normAutofit/>
+          </a:bodyPr>
+          <a:lstStyle>
+            <a:lvl1pPr marL="228600" indent="-228600" algn="l" defTabSz="914400" rtl="0" eaLnBrk="1" latinLnBrk="0" hangingPunct="1">
+              <a:lnSpc>
+                <a:spcPct val="90000"/>
+              </a:lnSpc>
+              <a:spcBef>
+                <a:spcPts val="1000"/>
+              </a:spcBef>
+              <a:buFont typeface="Arial" panose="020B0604020202020204" pitchFamily="34" charset="0"/>
+              <a:buChar char="•"/>
+              <a:defRPr sz="2800" kern="1200">
+                <a:solidFill>
+                  <a:schemeClr val="tx1"/>
+                </a:solidFill>
+                <a:latin typeface="+mn-lt"/>
+                <a:ea typeface="+mn-ea"/>
+                <a:cs typeface="+mn-cs"/>
+              </a:defRPr>
+            </a:lvl1pPr>
+            <a:lvl2pPr marL="685800" indent="-228600" algn="l" defTabSz="914400" rtl="0" eaLnBrk="1" latinLnBrk="0" hangingPunct="1">
+              <a:lnSpc>
+                <a:spcPct val="90000"/>
+              </a:lnSpc>
+              <a:spcBef>
+                <a:spcPts val="500"/>
+              </a:spcBef>
+              <a:buFont typeface="Arial" panose="020B0604020202020204" pitchFamily="34" charset="0"/>
+              <a:buChar char="•"/>
+              <a:defRPr sz="2400" kern="1200">
+                <a:solidFill>
+                  <a:schemeClr val="tx1"/>
+                </a:solidFill>
+                <a:latin typeface="+mn-lt"/>
+                <a:ea typeface="+mn-ea"/>
+                <a:cs typeface="+mn-cs"/>
+              </a:defRPr>
+            </a:lvl2pPr>
+            <a:lvl3pPr marL="1143000" indent="-228600" algn="l" defTabSz="914400" rtl="0" eaLnBrk="1" latinLnBrk="0" hangingPunct="1">
+              <a:lnSpc>
+                <a:spcPct val="90000"/>
+              </a:lnSpc>
+              <a:spcBef>
+                <a:spcPts val="500"/>
+              </a:spcBef>
+              <a:buFont typeface="Arial" panose="020B0604020202020204" pitchFamily="34" charset="0"/>
+              <a:buChar char="•"/>
+              <a:defRPr sz="2000" kern="1200">
+                <a:solidFill>
+                  <a:schemeClr val="tx1"/>
+                </a:solidFill>
+                <a:latin typeface="+mn-lt"/>
+                <a:ea typeface="+mn-ea"/>
+                <a:cs typeface="+mn-cs"/>
+              </a:defRPr>
+            </a:lvl3pPr>
+            <a:lvl4pPr marL="1600200" indent="-228600" algn="l" defTabSz="914400" rtl="0" eaLnBrk="1" latinLnBrk="0" hangingPunct="1">
+              <a:lnSpc>
+                <a:spcPct val="90000"/>
+              </a:lnSpc>
+              <a:spcBef>
+                <a:spcPts val="500"/>
+              </a:spcBef>
+              <a:buFont typeface="Arial" panose="020B0604020202020204" pitchFamily="34" charset="0"/>
+              <a:buChar char="•"/>
+              <a:defRPr sz="1800" kern="1200">
+                <a:solidFill>
+                  <a:schemeClr val="tx1"/>
+                </a:solidFill>
+                <a:latin typeface="+mn-lt"/>
+                <a:ea typeface="+mn-ea"/>
+                <a:cs typeface="+mn-cs"/>
+              </a:defRPr>
+            </a:lvl4pPr>
+            <a:lvl5pPr marL="2057400" indent="-228600" algn="l" defTabSz="914400" rtl="0" eaLnBrk="1" latinLnBrk="0" hangingPunct="1">
+              <a:lnSpc>
+                <a:spcPct val="90000"/>
+              </a:lnSpc>
+              <a:spcBef>
+                <a:spcPts val="500"/>
+              </a:spcBef>
+              <a:buFont typeface="Arial" panose="020B0604020202020204" pitchFamily="34" charset="0"/>
+              <a:buChar char="•"/>
+              <a:defRPr sz="1800" kern="1200">
+                <a:solidFill>
+                  <a:schemeClr val="tx1"/>
+                </a:solidFill>
+                <a:latin typeface="+mn-lt"/>
+                <a:ea typeface="+mn-ea"/>
+                <a:cs typeface="+mn-cs"/>
+              </a:defRPr>
+            </a:lvl5pPr>
+            <a:lvl6pPr marL="2514600" indent="-228600" algn="l" defTabSz="914400" rtl="0" eaLnBrk="1" latinLnBrk="0" hangingPunct="1">
+              <a:lnSpc>
+                <a:spcPct val="90000"/>
+              </a:lnSpc>
+              <a:spcBef>
+                <a:spcPts val="500"/>
+              </a:spcBef>
+              <a:buFont typeface="Arial" panose="020B0604020202020204" pitchFamily="34" charset="0"/>
+              <a:buChar char="•"/>
+              <a:defRPr sz="1800" kern="1200">
+                <a:solidFill>
+                  <a:schemeClr val="tx1"/>
+                </a:solidFill>
+                <a:latin typeface="+mn-lt"/>
+                <a:ea typeface="+mn-ea"/>
+                <a:cs typeface="+mn-cs"/>
+              </a:defRPr>
+            </a:lvl6pPr>
+            <a:lvl7pPr marL="2971800" indent="-228600" algn="l" defTabSz="914400" rtl="0" eaLnBrk="1" latinLnBrk="0" hangingPunct="1">
+              <a:lnSpc>
+                <a:spcPct val="90000"/>
+              </a:lnSpc>
+              <a:spcBef>
+                <a:spcPts val="500"/>
+              </a:spcBef>
+              <a:buFont typeface="Arial" panose="020B0604020202020204" pitchFamily="34" charset="0"/>
+              <a:buChar char="•"/>
+              <a:defRPr sz="1800" kern="1200">
+                <a:solidFill>
+                  <a:schemeClr val="tx1"/>
+                </a:solidFill>
+                <a:latin typeface="+mn-lt"/>
+                <a:ea typeface="+mn-ea"/>
+                <a:cs typeface="+mn-cs"/>
+              </a:defRPr>
+            </a:lvl7pPr>
+            <a:lvl8pPr marL="3429000" indent="-228600" algn="l" defTabSz="914400" rtl="0" eaLnBrk="1" latinLnBrk="0" hangingPunct="1">
+              <a:lnSpc>
+                <a:spcPct val="90000"/>
+              </a:lnSpc>
+              <a:spcBef>
+                <a:spcPts val="500"/>
+              </a:spcBef>
+              <a:buFont typeface="Arial" panose="020B0604020202020204" pitchFamily="34" charset="0"/>
+              <a:buChar char="•"/>
+              <a:defRPr sz="1800" kern="1200">
+                <a:solidFill>
+                  <a:schemeClr val="tx1"/>
+                </a:solidFill>
+                <a:latin typeface="+mn-lt"/>
+                <a:ea typeface="+mn-ea"/>
+                <a:cs typeface="+mn-cs"/>
+              </a:defRPr>
+            </a:lvl8pPr>
+            <a:lvl9pPr marL="3886200" indent="-228600" algn="l" defTabSz="914400" rtl="0" eaLnBrk="1" latinLnBrk="0" hangingPunct="1">
+              <a:lnSpc>
+                <a:spcPct val="90000"/>
+              </a:lnSpc>
+              <a:spcBef>
+                <a:spcPts val="500"/>
+              </a:spcBef>
+              <a:buFont typeface="Arial" panose="020B0604020202020204" pitchFamily="34" charset="0"/>
+              <a:buChar char="•"/>
+              <a:defRPr sz="1800" kern="1200">
+                <a:solidFill>
+                  <a:schemeClr val="tx1"/>
+                </a:solidFill>
+                <a:latin typeface="+mn-lt"/>
+                <a:ea typeface="+mn-ea"/>
+                <a:cs typeface="+mn-cs"/>
+              </a:defRPr>
+            </a:lvl9pPr>
+          </a:lstStyle>
+          <a:p>
+            <a:endParaRPr lang="en-US" dirty="0" smtClean="0"/>
+          </a:p>
+        </p:txBody>
+      </p:sp>
+      <p:sp>
+        <p:nvSpPr>
+          <p:cNvPr id="6" name="Rechteck 5"/>
+          <p:cNvSpPr/>
+          <p:nvPr/>
+        </p:nvSpPr>
+        <p:spPr>
+          <a:xfrm>
+            <a:off x="628650" y="1687641"/>
+            <a:ext cx="6932988" cy="584775"/>
+          </a:xfrm>
+          <a:prstGeom prst="rect">
+            <a:avLst/>
+          </a:prstGeom>
+        </p:spPr>
+        <p:txBody>
+          <a:bodyPr wrap="none">
+            <a:spAutoFit/>
+          </a:bodyPr>
+          <a:lstStyle/>
+          <a:p>
+            <a:r>
+              <a:rPr lang="de-DE" sz="3200" dirty="0">
+                <a:hlinkClick r:id="rId3"/>
+              </a:rPr>
+              <a:t>https://github.com/StarGate01/HPCGOL</a:t>
+            </a:r>
+            <a:endParaRPr lang="en-US" sz="3200" dirty="0"/>
+          </a:p>
+        </p:txBody>
+      </p:sp>
+    </p:spTree>
+    <p:extLst>
+      <p:ext uri="{BB962C8B-B14F-4D97-AF65-F5344CB8AC3E}">
+        <p14:creationId xmlns:p14="http://schemas.microsoft.com/office/powerpoint/2010/main" val="2516129261"/>
+      </p:ext>
+    </p:extLst>
+  </p:cSld>
+  <p:clrMapOvr>
+    <a:masterClrMapping/>
+  </p:clrMapOvr>
+  <p:timing>
+    <p:tnLst>
+      <p:par>
+        <p:cTn id="1" dur="indefinite" restart="never" nodeType="tmRoot"/>
+      </p:par>
+    </p:tnLst>
+  </p:timing>
+</p:sld>
+</file>
+
 <file path=ppt/slides/slide3.xml><?xml version="1.0" encoding="utf-8"?>
 <p:sld xmlns:a="http://schemas.openxmlformats.org/drawingml/2006/main" xmlns:r="http://schemas.openxmlformats.org/officeDocument/2006/relationships" xmlns:p="http://schemas.openxmlformats.org/presentationml/2006/main">
   <p:cSld>
@@ -3831,6 +7398,36 @@
           </a:p>
         </p:txBody>
       </p:sp>
+      <p:pic>
+        <p:nvPicPr>
+          <p:cNvPr id="4" name="Grafik 3"/>
+          <p:cNvPicPr>
+            <a:picLocks noChangeAspect="1"/>
+          </p:cNvPicPr>
+          <p:nvPr/>
+        </p:nvPicPr>
+        <p:blipFill>
+          <a:blip r:embed="rId2">
+            <a:extLst>
+              <a:ext uri="{28A0092B-C50C-407E-A947-70E740481C1C}">
+                <a14:useLocalDpi xmlns:a14="http://schemas.microsoft.com/office/drawing/2010/main" val="0"/>
+              </a:ext>
+            </a:extLst>
+          </a:blip>
+          <a:stretch>
+            <a:fillRect/>
+          </a:stretch>
+        </p:blipFill>
+        <p:spPr>
+          <a:xfrm>
+            <a:off x="3648746" y="2888624"/>
+            <a:ext cx="5143500" cy="3733800"/>
+          </a:xfrm>
+          <a:prstGeom prst="rect">
+            <a:avLst/>
+          </a:prstGeom>
+        </p:spPr>
+      </p:pic>
     </p:spTree>
     <p:extLst>
       <p:ext uri="{BB962C8B-B14F-4D97-AF65-F5344CB8AC3E}">
@@ -4073,7 +7670,7 @@
           <a:p>
             <a:r>
               <a:rPr lang="de-DE" dirty="0" err="1" smtClean="0"/>
-              <a:t>What</a:t>
+              <a:t>Why</a:t>
             </a:r>
             <a:endParaRPr lang="de-DE" dirty="0"/>
           </a:p>
@@ -4096,40 +7693,95 @@
           <a:p>
             <a:r>
               <a:rPr lang="en-US" dirty="0" smtClean="0"/>
-              <a:t>Demonstration of </a:t>
+              <a:t>Fortran widely used in </a:t>
             </a:r>
             <a:r>
               <a:rPr lang="en-US" b="1" dirty="0" smtClean="0"/>
-              <a:t>hybrid parallelization </a:t>
-            </a:r>
+              <a:t>scientific computing</a:t>
+            </a:r>
+          </a:p>
+          <a:p>
             <a:r>
               <a:rPr lang="en-US" dirty="0" smtClean="0"/>
-              <a:t>techniques</a:t>
-            </a:r>
-          </a:p>
-          <a:p>
+              <a:t>Battle-tested </a:t>
+            </a:r>
+            <a:r>
+              <a:rPr lang="en-US" b="1" dirty="0" err="1" smtClean="0"/>
+              <a:t>OpenMP</a:t>
+            </a:r>
+            <a:r>
+              <a:rPr lang="en-US" b="1" dirty="0" smtClean="0"/>
+              <a:t> and MPI </a:t>
+            </a:r>
             <a:r>
               <a:rPr lang="en-US" dirty="0" smtClean="0"/>
-              <a:t>By (simple) example: </a:t>
-            </a:r>
-            <a:r>
-              <a:rPr lang="en-US" b="1" dirty="0" smtClean="0"/>
-              <a:t>Conway‘s Game of Life</a:t>
+              <a:t>support</a:t>
             </a:r>
           </a:p>
           <a:p>
             <a:r>
               <a:rPr lang="en-US" dirty="0" smtClean="0"/>
-              <a:t>Comparable to techniques used in the industry and academia</a:t>
+              <a:t>As fast as C, but easier to optimize</a:t>
+            </a:r>
+          </a:p>
+          <a:p>
+            <a:pPr lvl="1"/>
+            <a:r>
+              <a:rPr lang="en-US" dirty="0" smtClean="0"/>
+              <a:t>No void pointers</a:t>
+            </a:r>
+          </a:p>
+          <a:p>
+            <a:pPr lvl="1"/>
+            <a:r>
+              <a:rPr lang="en-US" dirty="0" smtClean="0"/>
+              <a:t>Intrinsic matrix and vector operations</a:t>
+            </a:r>
+          </a:p>
+          <a:p>
+            <a:pPr lvl="1"/>
+            <a:r>
+              <a:rPr lang="en-US" dirty="0" smtClean="0"/>
+              <a:t>Array slicing</a:t>
             </a:r>
             <a:endParaRPr lang="en-US" dirty="0"/>
           </a:p>
         </p:txBody>
       </p:sp>
+      <p:pic>
+        <p:nvPicPr>
+          <p:cNvPr id="4" name="Grafik 3"/>
+          <p:cNvPicPr>
+            <a:picLocks noChangeAspect="1"/>
+          </p:cNvPicPr>
+          <p:nvPr/>
+        </p:nvPicPr>
+        <p:blipFill>
+          <a:blip r:embed="rId2">
+            <a:extLst>
+              <a:ext uri="{28A0092B-C50C-407E-A947-70E740481C1C}">
+                <a14:useLocalDpi xmlns:a14="http://schemas.microsoft.com/office/drawing/2010/main" val="0"/>
+              </a:ext>
+            </a:extLst>
+          </a:blip>
+          <a:stretch>
+            <a:fillRect/>
+          </a:stretch>
+        </p:blipFill>
+        <p:spPr>
+          <a:xfrm>
+            <a:off x="5486401" y="4216602"/>
+            <a:ext cx="3294106" cy="2467400"/>
+          </a:xfrm>
+          <a:prstGeom prst="rect">
+            <a:avLst/>
+          </a:prstGeom>
+        </p:spPr>
+      </p:pic>
     </p:spTree>
     <p:extLst>
       <p:ext uri="{BB962C8B-B14F-4D97-AF65-F5344CB8AC3E}">
-        <p14:creationId xmlns:p14="http://schemas.microsoft.com/office/powerpoint/2010/main" val="93280495"/>
+        <p14:creationId xmlns:p14="http://schemas.microsoft.com/office/powerpoint/2010/main" val="3590637395"/>
       </p:ext>
     </p:extLst>
   </p:cSld>
@@ -4236,13 +7888,22 @@
           </a:p>
           <a:p>
             <a:r>
+              <a:rPr lang="en-US" dirty="0" smtClean="0"/>
+              <a:t>(</a:t>
+            </a:r>
+            <a:r>
               <a:rPr lang="en-US" b="1" dirty="0" smtClean="0"/>
               <a:t>SIMD</a:t>
             </a:r>
             <a:r>
               <a:rPr lang="en-US" dirty="0" smtClean="0"/>
-              <a:t>, and other vectorization CPU extensions</a:t>
-            </a:r>
+              <a:t>, and other vectorization CPU </a:t>
+            </a:r>
+            <a:r>
+              <a:rPr lang="en-US" dirty="0" smtClean="0"/>
+              <a:t>extensions)</a:t>
+            </a:r>
+            <a:endParaRPr lang="en-US" dirty="0" smtClean="0"/>
           </a:p>
           <a:p>
             <a:r>
@@ -4321,7 +7982,7 @@
           <a:p>
             <a:r>
               <a:rPr lang="de-DE" dirty="0" err="1" smtClean="0"/>
-              <a:t>Why</a:t>
+              <a:t>What</a:t>
             </a:r>
             <a:endParaRPr lang="de-DE" dirty="0"/>
           </a:p>
@@ -4344,56 +8005,52 @@
           <a:p>
             <a:r>
               <a:rPr lang="en-US" dirty="0" smtClean="0"/>
-              <a:t>Fortran widely used in </a:t>
+              <a:t>Demonstration of </a:t>
             </a:r>
             <a:r>
               <a:rPr lang="en-US" b="1" dirty="0" smtClean="0"/>
-              <a:t>scientific computing</a:t>
-            </a:r>
-          </a:p>
-          <a:p>
+              <a:t>hybrid parallelization </a:t>
+            </a:r>
             <a:r>
               <a:rPr lang="en-US" dirty="0" smtClean="0"/>
-              <a:t>Battle-tested </a:t>
-            </a:r>
-            <a:r>
-              <a:rPr lang="en-US" b="1" dirty="0" err="1" smtClean="0"/>
-              <a:t>OpenMP</a:t>
+              <a:t>techniques</a:t>
+            </a:r>
+          </a:p>
+          <a:p>
+            <a:r>
+              <a:rPr lang="en-US" dirty="0" smtClean="0"/>
+              <a:t>By (simple) example: </a:t>
             </a:r>
             <a:r>
               <a:rPr lang="en-US" b="1" dirty="0" smtClean="0"/>
-              <a:t> and MPI </a:t>
-            </a:r>
+              <a:t>Conway‘s Game of Life</a:t>
+            </a:r>
+          </a:p>
+          <a:p>
             <a:r>
               <a:rPr lang="en-US" dirty="0" smtClean="0"/>
-              <a:t>support</a:t>
-            </a:r>
-          </a:p>
-          <a:p>
+              <a:t>Comparable to techniques used in the industry and </a:t>
+            </a:r>
             <a:r>
               <a:rPr lang="en-US" dirty="0" smtClean="0"/>
-              <a:t>As fast as C, but easier to optimize</a:t>
-            </a:r>
-          </a:p>
-          <a:p>
-            <a:pPr lvl="1"/>
-            <a:r>
-              <a:rPr lang="en-US" dirty="0" smtClean="0"/>
-              <a:t>No void pointers</a:t>
-            </a:r>
-          </a:p>
-          <a:p>
-            <a:pPr lvl="1"/>
-            <a:r>
-              <a:rPr lang="en-US" dirty="0" smtClean="0"/>
-              <a:t>Intrinsic matrix and vector operations</a:t>
-            </a:r>
-          </a:p>
-          <a:p>
-            <a:pPr lvl="1"/>
-            <a:r>
-              <a:rPr lang="en-US" dirty="0" smtClean="0"/>
-              <a:t>Array slicing</a:t>
+              <a:t>academia</a:t>
+            </a:r>
+          </a:p>
+          <a:p>
+            <a:endParaRPr lang="en-US" dirty="0"/>
+          </a:p>
+          <a:p>
+            <a:r>
+              <a:rPr lang="de-DE" dirty="0" smtClean="0">
+                <a:hlinkClick r:id="rId2"/>
+              </a:rPr>
+              <a:t>https</a:t>
+            </a:r>
+            <a:r>
+              <a:rPr lang="de-DE" dirty="0">
+                <a:hlinkClick r:id="rId2"/>
+              </a:rPr>
+              <a:t>://github.com/StarGate01/HPCGOL</a:t>
             </a:r>
             <a:endParaRPr lang="en-US" dirty="0"/>
           </a:p>
@@ -4402,7 +8059,7 @@
     </p:spTree>
     <p:extLst>
       <p:ext uri="{BB962C8B-B14F-4D97-AF65-F5344CB8AC3E}">
-        <p14:creationId xmlns:p14="http://schemas.microsoft.com/office/powerpoint/2010/main" val="3590637395"/>
+        <p14:creationId xmlns:p14="http://schemas.microsoft.com/office/powerpoint/2010/main" val="93280495"/>
       </p:ext>
     </p:extLst>
   </p:cSld>
@@ -4611,39 +8268,56 @@
           </a:p>
         </p:txBody>
       </p:sp>
-      <p:pic>
-        <p:nvPicPr>
-          <p:cNvPr id="4" name="Inhaltsplatzhalter 3"/>
-          <p:cNvPicPr>
-            <a:picLocks noGrp="1" noChangeAspect="1"/>
-          </p:cNvPicPr>
+      <p:sp>
+        <p:nvSpPr>
+          <p:cNvPr id="3" name="Inhaltsplatzhalter 2"/>
+          <p:cNvSpPr>
+            <a:spLocks noGrp="1"/>
+          </p:cNvSpPr>
           <p:nvPr>
             <p:ph idx="1"/>
           </p:nvPr>
-        </p:nvPicPr>
-        <p:blipFill>
-          <a:blip r:embed="rId2">
-            <a:extLst>
-              <a:ext uri="{28A0092B-C50C-407E-A947-70E740481C1C}">
-                <a14:useLocalDpi xmlns:a14="http://schemas.microsoft.com/office/drawing/2010/main" val="0"/>
-              </a:ext>
-            </a:extLst>
-          </a:blip>
-          <a:stretch>
-            <a:fillRect/>
-          </a:stretch>
-        </p:blipFill>
-        <p:spPr>
-          <a:xfrm>
-            <a:off x="628650" y="1690689"/>
-            <a:ext cx="4422321" cy="4422321"/>
-          </a:xfrm>
-        </p:spPr>
-      </p:pic>
+        </p:nvSpPr>
+        <p:spPr/>
+        <p:txBody>
+          <a:bodyPr/>
+          <a:lstStyle/>
+          <a:p>
+            <a:r>
+              <a:rPr lang="en-US" dirty="0" smtClean="0"/>
+              <a:t>0-1 Neighbors: Cell dies of loneliness</a:t>
+            </a:r>
+          </a:p>
+          <a:p>
+            <a:r>
+              <a:rPr lang="en-US" dirty="0" smtClean="0"/>
+              <a:t>2-3 Neighbors: Cell is happy</a:t>
+            </a:r>
+          </a:p>
+          <a:p>
+            <a:r>
+              <a:rPr lang="en-US" dirty="0" smtClean="0"/>
+              <a:t>4-8 Neighbors: Cell dies of overpopulation</a:t>
+            </a:r>
+          </a:p>
+          <a:p>
+            <a:endParaRPr lang="en-US" dirty="0"/>
+          </a:p>
+          <a:p>
+            <a:r>
+              <a:rPr lang="en-US" dirty="0" smtClean="0"/>
+              <a:t>3 Neighbors: Cell is born if dead</a:t>
+            </a:r>
+          </a:p>
+          <a:p>
+            <a:endParaRPr lang="en-US" dirty="0"/>
+          </a:p>
+        </p:txBody>
+      </p:sp>
     </p:spTree>
     <p:extLst>
       <p:ext uri="{BB962C8B-B14F-4D97-AF65-F5344CB8AC3E}">
-        <p14:creationId xmlns:p14="http://schemas.microsoft.com/office/powerpoint/2010/main" val="1958070143"/>
+        <p14:creationId xmlns:p14="http://schemas.microsoft.com/office/powerpoint/2010/main" val="1946969859"/>
       </p:ext>
     </p:extLst>
   </p:cSld>

--- a/presentation.pptx
+++ b/presentation.pptx
@@ -11178,7 +11178,11 @@
           <a:p>
             <a:r>
               <a:rPr lang="en-US" dirty="0" smtClean="0"/>
-              <a:t>Iteration 1: Naive</a:t>
+              <a:t>Iteration 1: </a:t>
+            </a:r>
+            <a:r>
+              <a:rPr lang="en-US" b="1" dirty="0" smtClean="0"/>
+              <a:t>Naive</a:t>
             </a:r>
           </a:p>
           <a:p>
@@ -11192,16 +11196,28 @@
             <a:pPr lvl="1"/>
             <a:r>
               <a:rPr lang="en-US" dirty="0" smtClean="0"/>
-              <a:t>Use outflow border to avoid edge cases</a:t>
+              <a:t>Use </a:t>
+            </a:r>
+            <a:r>
+              <a:rPr lang="en-US" b="1" dirty="0" smtClean="0"/>
+              <a:t>outflow border </a:t>
+            </a:r>
+            <a:r>
+              <a:rPr lang="en-US" dirty="0" smtClean="0"/>
+              <a:t>to avoid edge cases</a:t>
             </a:r>
           </a:p>
           <a:p>
             <a:pPr lvl="1"/>
             <a:r>
               <a:rPr lang="en-US" dirty="0" smtClean="0"/>
-              <a:t>Use two buffers and swap around pointers</a:t>
-            </a:r>
-            <a:endParaRPr lang="en-US" dirty="0" smtClean="0"/>
+              <a:t>Use two buffers and </a:t>
+            </a:r>
+            <a:r>
+              <a:rPr lang="en-US" b="1" dirty="0" smtClean="0"/>
+              <a:t>swap around pointers</a:t>
+            </a:r>
+            <a:endParaRPr lang="en-US" b="1" dirty="0" smtClean="0"/>
           </a:p>
         </p:txBody>
       </p:sp>
@@ -11944,7 +11960,11 @@
           <a:p>
             <a:r>
               <a:rPr lang="en-US" dirty="0" smtClean="0"/>
-              <a:t>Iteration 2: Optimized naive</a:t>
+              <a:t>Iteration 2: </a:t>
+            </a:r>
+            <a:r>
+              <a:rPr lang="en-US" b="1" dirty="0" smtClean="0"/>
+              <a:t>Optimized naive</a:t>
             </a:r>
           </a:p>
           <a:p>
@@ -11954,8 +11974,12 @@
               <a:t>Use </a:t>
             </a:r>
             <a:r>
+              <a:rPr lang="en-US" b="1" dirty="0" smtClean="0"/>
+              <a:t>lookup table</a:t>
+            </a:r>
+            <a:r>
               <a:rPr lang="en-US" dirty="0" smtClean="0"/>
-              <a:t>lookup table for state </a:t>
+              <a:t> for state </a:t>
             </a:r>
             <a:r>
               <a:rPr lang="en-US" dirty="0" smtClean="0"/>
@@ -12152,12 +12176,16 @@
               <a:t>Iteration 3: </a:t>
             </a:r>
             <a:r>
-              <a:rPr lang="en-US" dirty="0" err="1" smtClean="0"/>
+              <a:rPr lang="en-US" b="1" dirty="0" err="1" smtClean="0"/>
               <a:t>Vectorized</a:t>
             </a:r>
             <a:r>
+              <a:rPr lang="en-US" b="1" dirty="0" smtClean="0"/>
+              <a:t> loops </a:t>
+            </a:r>
+            <a:r>
               <a:rPr lang="en-US" dirty="0" smtClean="0"/>
-              <a:t> loops using SIMD</a:t>
+              <a:t>using SIMD</a:t>
             </a:r>
           </a:p>
           <a:p>
@@ -12176,7 +12204,7 @@
           </a:p>
           <a:p>
             <a:r>
-              <a:rPr lang="en-US" dirty="0" smtClean="0"/>
+              <a:rPr lang="en-US" b="1" dirty="0" smtClean="0"/>
               <a:t>Actually slower?</a:t>
             </a:r>
           </a:p>
@@ -12276,7 +12304,7 @@
               <a:t>Iteration 4: </a:t>
             </a:r>
             <a:r>
-              <a:rPr lang="en-US" dirty="0" smtClean="0"/>
+              <a:rPr lang="en-US" b="1" dirty="0" smtClean="0"/>
               <a:t>Multithreading</a:t>
             </a:r>
           </a:p>
@@ -12287,16 +12315,24 @@
               <a:t>Parallelize main loop using </a:t>
             </a:r>
             <a:r>
-              <a:rPr lang="en-US" dirty="0" err="1" smtClean="0"/>
+              <a:rPr lang="en-US" b="1" dirty="0" err="1" smtClean="0"/>
               <a:t>OpenMP</a:t>
             </a:r>
-            <a:endParaRPr lang="en-US" dirty="0" smtClean="0"/>
+            <a:endParaRPr lang="en-US" b="1" dirty="0" smtClean="0"/>
           </a:p>
           <a:p>
             <a:pPr lvl="1"/>
             <a:r>
               <a:rPr lang="en-US" dirty="0" smtClean="0"/>
-              <a:t>Compute slice of work for each thread</a:t>
+              <a:t>Compute </a:t>
+            </a:r>
+            <a:r>
+              <a:rPr lang="en-US" b="1" dirty="0" smtClean="0"/>
+              <a:t>slice of work </a:t>
+            </a:r>
+            <a:r>
+              <a:rPr lang="en-US" dirty="0" smtClean="0"/>
+              <a:t>for each thread</a:t>
             </a:r>
             <a:endParaRPr lang="en-US" dirty="0" smtClean="0"/>
           </a:p>
@@ -13470,14 +13506,22 @@
           <a:lstStyle/>
           <a:p>
             <a:r>
+              <a:rPr lang="en-US" b="1" dirty="0" smtClean="0"/>
+              <a:t>Shared</a:t>
+            </a:r>
+            <a:r>
               <a:rPr lang="en-US" dirty="0" smtClean="0"/>
-              <a:t>Shared memory</a:t>
-            </a:r>
-          </a:p>
-          <a:p>
+              <a:t> memory</a:t>
+            </a:r>
+          </a:p>
+          <a:p>
+            <a:r>
+              <a:rPr lang="en-US" b="1" dirty="0" smtClean="0"/>
+              <a:t>Thread-private</a:t>
+            </a:r>
             <a:r>
               <a:rPr lang="en-US" dirty="0" smtClean="0"/>
-              <a:t>Thread-private variables</a:t>
+              <a:t> variables</a:t>
             </a:r>
           </a:p>
           <a:p>
@@ -13584,14 +13628,22 @@
             <a:pPr lvl="1"/>
             <a:r>
               <a:rPr lang="en-US" dirty="0" smtClean="0"/>
-              <a:t>Distribute work across multiple CPUs</a:t>
+              <a:t>Distribute work across </a:t>
+            </a:r>
+            <a:r>
+              <a:rPr lang="en-US" b="1" dirty="0" smtClean="0"/>
+              <a:t>multiple CPUs</a:t>
             </a:r>
           </a:p>
           <a:p>
             <a:pPr lvl="1"/>
             <a:r>
               <a:rPr lang="en-US" dirty="0" smtClean="0"/>
-              <a:t>Again, compute work slices</a:t>
+              <a:t>Again, compute </a:t>
+            </a:r>
+            <a:r>
+              <a:rPr lang="en-US" b="1" dirty="0" smtClean="0"/>
+              <a:t>work slices</a:t>
             </a:r>
           </a:p>
           <a:p>
@@ -13600,8 +13652,12 @@
           </a:p>
           <a:p>
             <a:r>
+              <a:rPr lang="en-US" b="1" dirty="0" smtClean="0"/>
+              <a:t>Exchange boundaries </a:t>
+            </a:r>
+            <a:r>
               <a:rPr lang="en-US" dirty="0" smtClean="0"/>
-              <a:t>Exchange boundaries between CPUs</a:t>
+              <a:t>between CPUs</a:t>
             </a:r>
           </a:p>
           <a:p>
@@ -15495,10 +15551,14 @@
           <a:p>
             <a:r>
               <a:rPr lang="en-US" dirty="0" smtClean="0"/>
-              <a:t>Iteration 6: Hybrid </a:t>
-            </a:r>
-            <a:r>
-              <a:rPr lang="en-US" dirty="0" smtClean="0"/>
+              <a:t>Iteration 6: </a:t>
+            </a:r>
+            <a:r>
+              <a:rPr lang="en-US" b="1" dirty="0" smtClean="0"/>
+              <a:t>Hybrid </a:t>
+            </a:r>
+            <a:r>
+              <a:rPr lang="en-US" b="1" dirty="0" smtClean="0"/>
               <a:t>parallelization</a:t>
             </a:r>
           </a:p>
@@ -17231,6 +17291,13 @@
   <p:clrMapOvr>
     <a:masterClrMapping/>
   </p:clrMapOvr>
+  <p:timing>
+    <p:tnLst>
+      <p:par>
+        <p:cTn id="1" dur="indefinite" restart="never" nodeType="tmRoot"/>
+      </p:par>
+    </p:tnLst>
+  </p:timing>
 </p:sld>
 </file>
 
@@ -17476,7 +17543,7 @@
               <a:lstStyle/>
               <a:p>
                 <a:r>
-                  <a:rPr lang="en-US" dirty="0" smtClean="0"/>
+                  <a:rPr lang="en-US" b="1" dirty="0" smtClean="0"/>
                   <a:t>Parallel efficiency: </a:t>
                 </a:r>
                 <a14:m>
@@ -17527,8 +17594,12 @@
               </a:p>
               <a:p>
                 <a:r>
+                  <a:rPr lang="en-US" b="1" dirty="0" smtClean="0"/>
+                  <a:t>Linear scaling </a:t>
+                </a:r>
+                <a:r>
                   <a:rPr lang="en-US" dirty="0" smtClean="0"/>
-                  <a:t>Linear scaling over threads</a:t>
+                  <a:t>over threads</a:t>
                 </a:r>
               </a:p>
               <a:p>
@@ -18149,8 +18220,12 @@
           <a:lstStyle/>
           <a:p>
             <a:r>
+              <a:rPr lang="en-US" b="1" dirty="0" smtClean="0"/>
+              <a:t>Linear scaling </a:t>
+            </a:r>
+            <a:r>
               <a:rPr lang="en-US" dirty="0" smtClean="0"/>
-              <a:t>Linear scaling on MPI</a:t>
+              <a:t>on MPI</a:t>
             </a:r>
           </a:p>
           <a:p>
@@ -18170,7 +18245,11 @@
             <a:pPr lvl="1"/>
             <a:r>
               <a:rPr lang="en-US" dirty="0" smtClean="0"/>
-              <a:t>Try to saturate RAM</a:t>
+              <a:t>Try to </a:t>
+            </a:r>
+            <a:r>
+              <a:rPr lang="en-US" b="1" dirty="0" smtClean="0"/>
+              <a:t>saturate RAM</a:t>
             </a:r>
           </a:p>
           <a:p>
@@ -18188,6 +18267,13 @@
   <p:clrMapOvr>
     <a:masterClrMapping/>
   </p:clrMapOvr>
+  <p:timing>
+    <p:tnLst>
+      <p:par>
+        <p:cTn id="1" dur="indefinite" restart="never" nodeType="tmRoot"/>
+      </p:par>
+    </p:tnLst>
+  </p:timing>
 </p:sld>
 </file>
 
@@ -18782,7 +18868,11 @@
           <a:p>
             <a:r>
               <a:rPr lang="en-US" dirty="0" smtClean="0"/>
-              <a:t>As fast as C, but easier to optimize</a:t>
+              <a:t>As fast as C, but </a:t>
+            </a:r>
+            <a:r>
+              <a:rPr lang="en-US" b="1" dirty="0" smtClean="0"/>
+              <a:t>easier to optimize</a:t>
             </a:r>
           </a:p>
           <a:p>
@@ -18803,7 +18893,26 @@
             <a:pPr lvl="1"/>
             <a:r>
               <a:rPr lang="en-US" dirty="0" smtClean="0"/>
-              <a:t>Array slicing</a:t>
+              <a:t>Array </a:t>
+            </a:r>
+            <a:r>
+              <a:rPr lang="en-US" dirty="0" smtClean="0"/>
+              <a:t>slicing</a:t>
+            </a:r>
+          </a:p>
+          <a:p>
+            <a:pPr lvl="1"/>
+            <a:r>
+              <a:rPr lang="en-US" dirty="0" err="1" smtClean="0"/>
+              <a:t>Vectorizeable</a:t>
+            </a:r>
+            <a:r>
+              <a:rPr lang="en-US" dirty="0" smtClean="0"/>
+              <a:t> </a:t>
+            </a:r>
+            <a:r>
+              <a:rPr lang="en-US" dirty="0" err="1" smtClean="0"/>
+              <a:t>stdlib</a:t>
             </a:r>
             <a:endParaRPr lang="en-US" dirty="0"/>
           </a:p>
@@ -19413,20 +19522,52 @@
           <a:lstStyle/>
           <a:p>
             <a:r>
+              <a:rPr lang="en-US" b="1" dirty="0" smtClean="0"/>
+              <a:t>0-1</a:t>
+            </a:r>
+            <a:r>
               <a:rPr lang="en-US" dirty="0" smtClean="0"/>
-              <a:t>0-1 Neighbors: Cell dies of loneliness</a:t>
-            </a:r>
-          </a:p>
-          <a:p>
+              <a:t> Neighbors: Cell </a:t>
+            </a:r>
+            <a:r>
+              <a:rPr lang="en-US" b="1" dirty="0" smtClean="0"/>
+              <a:t>dies</a:t>
+            </a:r>
             <a:r>
               <a:rPr lang="en-US" dirty="0" smtClean="0"/>
-              <a:t>2-3 Neighbors: Cell is happy</a:t>
-            </a:r>
-          </a:p>
-          <a:p>
+              <a:t> of loneliness</a:t>
+            </a:r>
+          </a:p>
+          <a:p>
+            <a:r>
+              <a:rPr lang="en-US" b="1" dirty="0" smtClean="0"/>
+              <a:t>2-3</a:t>
+            </a:r>
             <a:r>
               <a:rPr lang="en-US" dirty="0" smtClean="0"/>
-              <a:t>4-8 Neighbors: Cell dies of overpopulation</a:t>
+              <a:t> Neighbors: Cell is </a:t>
+            </a:r>
+            <a:r>
+              <a:rPr lang="en-US" b="1" dirty="0" smtClean="0"/>
+              <a:t>happy</a:t>
+            </a:r>
+          </a:p>
+          <a:p>
+            <a:r>
+              <a:rPr lang="en-US" b="1" dirty="0" smtClean="0"/>
+              <a:t>4-8</a:t>
+            </a:r>
+            <a:r>
+              <a:rPr lang="en-US" dirty="0" smtClean="0"/>
+              <a:t> Neighbors: Cell </a:t>
+            </a:r>
+            <a:r>
+              <a:rPr lang="en-US" b="1" dirty="0" smtClean="0"/>
+              <a:t>dies</a:t>
+            </a:r>
+            <a:r>
+              <a:rPr lang="en-US" dirty="0" smtClean="0"/>
+              <a:t> of overpopulation</a:t>
             </a:r>
           </a:p>
           <a:p>
@@ -19434,8 +19575,20 @@
           </a:p>
           <a:p>
             <a:r>
+              <a:rPr lang="en-US" b="1" dirty="0" smtClean="0"/>
+              <a:t>3</a:t>
+            </a:r>
+            <a:r>
               <a:rPr lang="en-US" dirty="0" smtClean="0"/>
-              <a:t>3 Neighbors: Cell is born if dead</a:t>
+              <a:t> Neighbors: Cell is </a:t>
+            </a:r>
+            <a:r>
+              <a:rPr lang="en-US" b="1" dirty="0" smtClean="0"/>
+              <a:t>born</a:t>
+            </a:r>
+            <a:r>
+              <a:rPr lang="en-US" dirty="0" smtClean="0"/>
+              <a:t> if dead</a:t>
             </a:r>
           </a:p>
           <a:p>
